--- a/Tài liệu tổng hợp/Docker/Quản lý tiến trình.pptx
+++ b/Tài liệu tổng hợp/Docker/Quản lý tiến trình.pptx
@@ -8,24 +8,25 @@
     <p:sldMasterId id="2147483673" r:id="rId4"/>
   </p:sldMasterIdLst>
   <p:notesMasterIdLst>
-    <p:notesMasterId r:id="rId20"/>
+    <p:notesMasterId r:id="rId21"/>
   </p:notesMasterIdLst>
   <p:sldIdLst>
     <p:sldId id="257" r:id="rId5"/>
     <p:sldId id="272" r:id="rId6"/>
     <p:sldId id="260" r:id="rId7"/>
-    <p:sldId id="256" r:id="rId8"/>
-    <p:sldId id="258" r:id="rId9"/>
-    <p:sldId id="259" r:id="rId10"/>
-    <p:sldId id="261" r:id="rId11"/>
-    <p:sldId id="265" r:id="rId12"/>
-    <p:sldId id="262" r:id="rId13"/>
-    <p:sldId id="266" r:id="rId14"/>
-    <p:sldId id="263" r:id="rId15"/>
-    <p:sldId id="267" r:id="rId16"/>
-    <p:sldId id="268" r:id="rId17"/>
-    <p:sldId id="271" r:id="rId18"/>
-    <p:sldId id="270" r:id="rId19"/>
+    <p:sldId id="274" r:id="rId8"/>
+    <p:sldId id="256" r:id="rId9"/>
+    <p:sldId id="258" r:id="rId10"/>
+    <p:sldId id="259" r:id="rId11"/>
+    <p:sldId id="261" r:id="rId12"/>
+    <p:sldId id="265" r:id="rId13"/>
+    <p:sldId id="262" r:id="rId14"/>
+    <p:sldId id="266" r:id="rId15"/>
+    <p:sldId id="263" r:id="rId16"/>
+    <p:sldId id="267" r:id="rId17"/>
+    <p:sldId id="268" r:id="rId18"/>
+    <p:sldId id="271" r:id="rId19"/>
+    <p:sldId id="270" r:id="rId20"/>
   </p:sldIdLst>
   <p:sldSz cx="9144000" cy="6858000" type="screen4x3"/>
   <p:notesSz cx="6858000" cy="9144000"/>
@@ -209,7 +210,7 @@
           <a:p>
             <a:fld id="{F1E8524C-789C-4858-8946-F6749A4D1F73}" type="datetimeFigureOut">
               <a:rPr lang="vi-VN" smtClean="0"/>
-              <a:t>13/10/2020</a:t>
+              <a:t>14/10/2020</a:t>
             </a:fld>
             <a:endParaRPr lang="vi-VN"/>
           </a:p>
@@ -521,6 +522,26 @@
           <a:bodyPr/>
           <a:lstStyle/>
           <a:p>
+            <a:r>
+              <a:rPr lang="vi-VN" dirty="0" smtClean="0"/>
+              <a:t>+ Khi</a:t>
+            </a:r>
+            <a:r>
+              <a:rPr lang="vi-VN" baseline="0" dirty="0" smtClean="0"/>
+              <a:t> </a:t>
+            </a:r>
+            <a:r>
+              <a:rPr lang="vi-VN" dirty="0" smtClean="0"/>
+              <a:t>bạn lên trình duyệt browser gõ một địa chỉ ngay lập tức, trình duyệt sẽ dựa vào domain để gửi yêu cầu truy cập đến địa chỉ IP mà domain này đang trỏ tới. Lúc này, phía server sẽ phân tích yêu cầu và sẽ gửi luồng xử lý tới vị trí vị trí lưu trữ của mã nguồn PHP (hoặc mã nguồn bất kì).</a:t>
+            </a:r>
+          </a:p>
+          <a:p>
+            <a:r>
+              <a:rPr lang="vi-VN" dirty="0" smtClean="0"/>
+              <a:t>+ Nhiệm vụ của các mã nguồn là tiếp nhận yêu cầu, phân tích request đó và trả kết quả lại cho client.</a:t>
+            </a:r>
+          </a:p>
+          <a:p>
             <a:endParaRPr lang="vi-VN" dirty="0"/>
           </a:p>
         </p:txBody>
@@ -542,7 +563,7 @@
           <a:p>
             <a:fld id="{B7DC25CC-FB07-4185-8561-3DFD47A87278}" type="slidenum">
               <a:rPr lang="vi-VN" smtClean="0"/>
-              <a:t>4</a:t>
+              <a:t>3</a:t>
             </a:fld>
             <a:endParaRPr lang="vi-VN"/>
           </a:p>
@@ -551,7 +572,7 @@
     </p:spTree>
     <p:extLst>
       <p:ext uri="{BB962C8B-B14F-4D97-AF65-F5344CB8AC3E}">
-        <p14:creationId xmlns:p14="http://schemas.microsoft.com/office/powerpoint/2010/main" val="2787515972"/>
+        <p14:creationId xmlns:p14="http://schemas.microsoft.com/office/powerpoint/2010/main" val="3804555538"/>
       </p:ext>
     </p:extLst>
   </p:cSld>
@@ -605,6 +626,94 @@
           <a:bodyPr/>
           <a:lstStyle/>
           <a:p>
+            <a:r>
+              <a:rPr lang="vi-VN" dirty="0" smtClean="0"/>
+              <a:t>+ </a:t>
+            </a:r>
+            <a:r>
+              <a:rPr lang="vi-VN" sz="1200" b="0" i="0" kern="1200" dirty="0" smtClean="0">
+                <a:solidFill>
+                  <a:schemeClr val="tx1"/>
+                </a:solidFill>
+                <a:effectLst/>
+                <a:latin typeface="+mn-lt"/>
+                <a:ea typeface="+mn-ea"/>
+                <a:cs typeface="+mn-cs"/>
+              </a:rPr>
+              <a:t>PHP không trực tiếp nhận các request từ trình duyệt, các web server (Nginx) sẽ chặn chúng</a:t>
+            </a:r>
+          </a:p>
+          <a:p>
+            <a:pPr marL="0" marR="0" indent="0" algn="l" defTabSz="914400" rtl="0" eaLnBrk="1" fontAlgn="auto" latinLnBrk="0" hangingPunct="1">
+              <a:lnSpc>
+                <a:spcPct val="100000"/>
+              </a:lnSpc>
+              <a:spcBef>
+                <a:spcPts val="0"/>
+              </a:spcBef>
+              <a:spcAft>
+                <a:spcPts val="0"/>
+              </a:spcAft>
+              <a:buClrTx/>
+              <a:buSzTx/>
+              <a:buFontTx/>
+              <a:buNone/>
+              <a:tabLst/>
+              <a:defRPr/>
+            </a:pPr>
+            <a:r>
+              <a:rPr lang="vi-VN" dirty="0" smtClean="0"/>
+              <a:t>+ </a:t>
+            </a:r>
+            <a:r>
+              <a:rPr lang="vi-VN" sz="1200" b="0" i="0" kern="1200" dirty="0" smtClean="0">
+                <a:solidFill>
+                  <a:schemeClr val="tx1"/>
+                </a:solidFill>
+                <a:effectLst/>
+                <a:latin typeface="+mn-lt"/>
+                <a:ea typeface="+mn-ea"/>
+                <a:cs typeface="+mn-cs"/>
+              </a:rPr>
+              <a:t>Các web server biết cách kết nối tới các tiến trình PHP và gửi các dữ liệu tới chúng.</a:t>
+            </a:r>
+          </a:p>
+          <a:p>
+            <a:pPr marL="0" marR="0" indent="0" algn="l" defTabSz="914400" rtl="0" eaLnBrk="1" fontAlgn="auto" latinLnBrk="0" hangingPunct="1">
+              <a:lnSpc>
+                <a:spcPct val="100000"/>
+              </a:lnSpc>
+              <a:spcBef>
+                <a:spcPts val="0"/>
+              </a:spcBef>
+              <a:spcAft>
+                <a:spcPts val="0"/>
+              </a:spcAft>
+              <a:buClrTx/>
+              <a:buSzTx/>
+              <a:buFontTx/>
+              <a:buNone/>
+              <a:tabLst/>
+              <a:defRPr/>
+            </a:pPr>
+            <a:r>
+              <a:rPr lang="vi-VN" dirty="0" smtClean="0"/>
+              <a:t>+ </a:t>
+            </a:r>
+            <a:r>
+              <a:rPr lang="vi-VN" sz="1200" b="0" i="0" kern="1200" dirty="0" smtClean="0">
+                <a:solidFill>
+                  <a:schemeClr val="tx1"/>
+                </a:solidFill>
+                <a:effectLst/>
+                <a:latin typeface="+mn-lt"/>
+                <a:ea typeface="+mn-ea"/>
+                <a:cs typeface="+mn-cs"/>
+              </a:rPr>
+              <a:t>Sau khi các tiến trình PHP xử lý xong chúng sẽ trả output về các web server, web server sẽ trả lại các client</a:t>
+            </a:r>
+          </a:p>
+          <a:p>
             <a:endParaRPr lang="vi-VN" dirty="0"/>
           </a:p>
         </p:txBody>
@@ -626,7 +735,584 @@
           <a:p>
             <a:fld id="{B7DC25CC-FB07-4185-8561-3DFD47A87278}" type="slidenum">
               <a:rPr lang="vi-VN" smtClean="0"/>
+              <a:t>4</a:t>
+            </a:fld>
+            <a:endParaRPr lang="vi-VN"/>
+          </a:p>
+        </p:txBody>
+      </p:sp>
+    </p:spTree>
+    <p:extLst>
+      <p:ext uri="{BB962C8B-B14F-4D97-AF65-F5344CB8AC3E}">
+        <p14:creationId xmlns:p14="http://schemas.microsoft.com/office/powerpoint/2010/main" val="3804555538"/>
+      </p:ext>
+    </p:extLst>
+  </p:cSld>
+  <p:clrMapOvr>
+    <a:masterClrMapping/>
+  </p:clrMapOvr>
+</p:notes>
+</file>
+
+<file path=ppt/notesSlides/notesSlide3.xml><?xml version="1.0" encoding="utf-8"?>
+<p:notes xmlns:a="http://schemas.openxmlformats.org/drawingml/2006/main" xmlns:r="http://schemas.openxmlformats.org/officeDocument/2006/relationships" xmlns:p="http://schemas.openxmlformats.org/presentationml/2006/main">
+  <p:cSld>
+    <p:spTree>
+      <p:nvGrpSpPr>
+        <p:cNvPr id="1" name=""/>
+        <p:cNvGrpSpPr/>
+        <p:nvPr/>
+      </p:nvGrpSpPr>
+      <p:grpSpPr>
+        <a:xfrm>
+          <a:off x="0" y="0"/>
+          <a:ext cx="0" cy="0"/>
+          <a:chOff x="0" y="0"/>
+          <a:chExt cx="0" cy="0"/>
+        </a:xfrm>
+      </p:grpSpPr>
+      <p:sp>
+        <p:nvSpPr>
+          <p:cNvPr id="2" name="Slide Image Placeholder 1"/>
+          <p:cNvSpPr>
+            <a:spLocks noGrp="1" noRot="1" noChangeAspect="1"/>
+          </p:cNvSpPr>
+          <p:nvPr>
+            <p:ph type="sldImg"/>
+          </p:nvPr>
+        </p:nvSpPr>
+        <p:spPr/>
+      </p:sp>
+      <p:sp>
+        <p:nvSpPr>
+          <p:cNvPr id="3" name="Notes Placeholder 2"/>
+          <p:cNvSpPr>
+            <a:spLocks noGrp="1"/>
+          </p:cNvSpPr>
+          <p:nvPr>
+            <p:ph type="body" idx="1"/>
+          </p:nvPr>
+        </p:nvSpPr>
+        <p:spPr/>
+        <p:txBody>
+          <a:bodyPr/>
+          <a:lstStyle/>
+          <a:p>
+            <a:r>
+              <a:rPr lang="vi-VN" dirty="0" smtClean="0"/>
+              <a:t>Tiến trình của Linux có các trạng thái: </a:t>
+            </a:r>
+          </a:p>
+          <a:p>
+            <a:r>
+              <a:rPr lang="vi-VN" dirty="0" smtClean="0"/>
+              <a:t>+ Đang chạy (running) : đây là lúc tiến trình chiếm quyền xử lý CPU dùng tính toán hay thực các công việc của mình. </a:t>
+            </a:r>
+          </a:p>
+          <a:p>
+            <a:r>
+              <a:rPr lang="vi-VN" dirty="0" smtClean="0"/>
+              <a:t>+ Chờ (waiting) : tiến trình bị Hệ Điều Hành tước quyền xử lý CPU, và chờ đến lược cấp phát khác. </a:t>
+            </a:r>
+          </a:p>
+          <a:p>
+            <a:r>
+              <a:rPr lang="vi-VN" dirty="0" smtClean="0"/>
+              <a:t>+ Tạm dừng (suspend) : Hệ Điều Hành tạm dừng tiến trình. Tiến trình được đưa vào trạng thái ngủ (sleep). Khi cần thiết và có nhu cầu, Hệ Điều Hành sẽ đánh thức (wake up) hay nạp lại mã lệnh của tiến trình vào bộ nhớ. Cấp phát tài nguyên CPU để tiến trình tiếp tục hoạt động.</a:t>
+            </a:r>
+          </a:p>
+          <a:p>
+            <a:r>
+              <a:rPr lang="vi-VN" dirty="0" smtClean="0"/>
+              <a:t>Nếu có hai người dùng: user1 và user2 cùng đăng nhập vào chạy chương trình grep đồng thời, thực tế, HDH sẽ quản lý và nạp mã của chương trình grep vào hai vùng nhớ khác nhau và gọi mỗi phân vùng như vậy là tiến trình. Hình sau cho thấy cách phân chia chương trình grep thành hai tiến trình cho hai người khác nhau sử dụng. </a:t>
+            </a:r>
+          </a:p>
+          <a:p>
+            <a:r>
+              <a:rPr lang="vi-VN" dirty="0" smtClean="0"/>
+              <a:t>Trong hình này, user1 chạy chương trình grep tìm chuỗi abc trong tập tin file1. user2 chạy chương trình grep và tìm chuỗi cde trong tập tin file 2.</a:t>
+            </a:r>
+            <a:endParaRPr lang="vi-VN" dirty="0"/>
+          </a:p>
+        </p:txBody>
+      </p:sp>
+      <p:sp>
+        <p:nvSpPr>
+          <p:cNvPr id="4" name="Slide Number Placeholder 3"/>
+          <p:cNvSpPr>
+            <a:spLocks noGrp="1"/>
+          </p:cNvSpPr>
+          <p:nvPr>
+            <p:ph type="sldNum" sz="quarter" idx="10"/>
+          </p:nvPr>
+        </p:nvSpPr>
+        <p:spPr/>
+        <p:txBody>
+          <a:bodyPr/>
+          <a:lstStyle/>
+          <a:p>
+            <a:fld id="{B7DC25CC-FB07-4185-8561-3DFD47A87278}" type="slidenum">
+              <a:rPr lang="vi-VN" smtClean="0"/>
+              <a:t>5</a:t>
+            </a:fld>
+            <a:endParaRPr lang="vi-VN"/>
+          </a:p>
+        </p:txBody>
+      </p:sp>
+    </p:spTree>
+    <p:extLst>
+      <p:ext uri="{BB962C8B-B14F-4D97-AF65-F5344CB8AC3E}">
+        <p14:creationId xmlns:p14="http://schemas.microsoft.com/office/powerpoint/2010/main" val="2787515972"/>
+      </p:ext>
+    </p:extLst>
+  </p:cSld>
+  <p:clrMapOvr>
+    <a:masterClrMapping/>
+  </p:clrMapOvr>
+</p:notes>
+</file>
+
+<file path=ppt/notesSlides/notesSlide4.xml><?xml version="1.0" encoding="utf-8"?>
+<p:notes xmlns:a="http://schemas.openxmlformats.org/drawingml/2006/main" xmlns:r="http://schemas.openxmlformats.org/officeDocument/2006/relationships" xmlns:p="http://schemas.openxmlformats.org/presentationml/2006/main">
+  <p:cSld>
+    <p:spTree>
+      <p:nvGrpSpPr>
+        <p:cNvPr id="1" name=""/>
+        <p:cNvGrpSpPr/>
+        <p:nvPr/>
+      </p:nvGrpSpPr>
+      <p:grpSpPr>
+        <a:xfrm>
+          <a:off x="0" y="0"/>
+          <a:ext cx="0" cy="0"/>
+          <a:chOff x="0" y="0"/>
+          <a:chExt cx="0" cy="0"/>
+        </a:xfrm>
+      </p:grpSpPr>
+      <p:sp>
+        <p:nvSpPr>
+          <p:cNvPr id="2" name="Slide Image Placeholder 1"/>
+          <p:cNvSpPr>
+            <a:spLocks noGrp="1" noRot="1" noChangeAspect="1"/>
+          </p:cNvSpPr>
+          <p:nvPr>
+            <p:ph type="sldImg"/>
+          </p:nvPr>
+        </p:nvSpPr>
+        <p:spPr/>
+      </p:sp>
+      <p:sp>
+        <p:nvSpPr>
+          <p:cNvPr id="3" name="Notes Placeholder 2"/>
+          <p:cNvSpPr>
+            <a:spLocks noGrp="1"/>
+          </p:cNvSpPr>
+          <p:nvPr>
+            <p:ph type="body" idx="1"/>
+          </p:nvPr>
+        </p:nvSpPr>
+        <p:spPr/>
+        <p:txBody>
+          <a:bodyPr/>
+          <a:lstStyle/>
+          <a:p>
+            <a:r>
+              <a:rPr lang="vi-VN" sz="1200" b="1" i="1" kern="1200" dirty="0" smtClean="0">
+                <a:solidFill>
+                  <a:schemeClr val="tx1"/>
+                </a:solidFill>
+                <a:effectLst/>
+                <a:latin typeface="+mn-lt"/>
+                <a:ea typeface="+mn-ea"/>
+                <a:cs typeface="+mn-cs"/>
+              </a:rPr>
+              <a:t>PHP-FPM viết tắt của FastCGI Process Manager là chương trình có chức năng phiên dịch PHP khi chạy trang web cho web server.</a:t>
+            </a:r>
+          </a:p>
+          <a:p>
+            <a:r>
+              <a:rPr lang="vi-VN" sz="1200" b="0" i="0" kern="1200" dirty="0" smtClean="0">
+                <a:solidFill>
+                  <a:schemeClr val="tx1"/>
+                </a:solidFill>
+                <a:effectLst/>
+                <a:latin typeface="+mn-lt"/>
+                <a:ea typeface="+mn-ea"/>
+                <a:cs typeface="+mn-cs"/>
+              </a:rPr>
+              <a:t>Mỗi người màu xanh là các request từ NGINX. Ở trên mỗi</a:t>
+            </a:r>
+            <a:r>
+              <a:rPr lang="vi-VN" sz="1200" b="0" i="0" kern="1200" baseline="0" dirty="0" smtClean="0">
+                <a:solidFill>
+                  <a:schemeClr val="tx1"/>
+                </a:solidFill>
+                <a:effectLst/>
+                <a:latin typeface="+mn-lt"/>
+                <a:ea typeface="+mn-ea"/>
+                <a:cs typeface="+mn-cs"/>
+              </a:rPr>
+              <a:t> </a:t>
+            </a:r>
+            <a:r>
+              <a:rPr lang="vi-VN" sz="1200" b="0" i="0" kern="1200" dirty="0" smtClean="0">
+                <a:solidFill>
+                  <a:schemeClr val="tx1"/>
+                </a:solidFill>
+                <a:effectLst/>
+                <a:latin typeface="+mn-lt"/>
+                <a:ea typeface="+mn-ea"/>
+                <a:cs typeface="+mn-cs"/>
+              </a:rPr>
+              <a:t>PHP-FPM worker giao dịch với mỗi request.</a:t>
+            </a:r>
+            <a:endParaRPr lang="vi-VN" sz="1200" b="1" i="0" kern="1200" dirty="0" smtClean="0">
+              <a:solidFill>
+                <a:schemeClr val="tx1"/>
+              </a:solidFill>
+              <a:effectLst/>
+              <a:latin typeface="+mn-lt"/>
+              <a:ea typeface="+mn-ea"/>
+              <a:cs typeface="+mn-cs"/>
+            </a:endParaRPr>
+          </a:p>
+          <a:p>
+            <a:r>
+              <a:rPr lang="vi-VN" sz="1200" b="1" i="0" kern="1200" dirty="0" smtClean="0">
+                <a:solidFill>
+                  <a:schemeClr val="tx1"/>
+                </a:solidFill>
+                <a:effectLst/>
+                <a:latin typeface="+mn-lt"/>
+                <a:ea typeface="+mn-ea"/>
+                <a:cs typeface="+mn-cs"/>
+              </a:rPr>
+              <a:t>+ pm = ondemand</a:t>
+            </a:r>
+            <a:r>
+              <a:rPr lang="vi-VN" sz="1200" b="0" i="0" kern="1200" dirty="0" smtClean="0">
+                <a:solidFill>
+                  <a:schemeClr val="tx1"/>
+                </a:solidFill>
+                <a:effectLst/>
+                <a:latin typeface="+mn-lt"/>
+                <a:ea typeface="+mn-ea"/>
+                <a:cs typeface="+mn-cs"/>
+              </a:rPr>
+              <a:t> Tên của nó đã giải thích ý nghĩa chính nó và đây là kiểu quản lý hiệu quả nhất - nó sẽ loại bỏ tất cả các PHP-FPM process chậm chạp, không hiệu quả để làm trống bộ nhớ và chỉ sản sinh lại chúng khi cần thiết.</a:t>
+            </a:r>
+            <a:r>
+              <a:rPr lang="vi-VN" sz="1200" b="1" i="0" kern="1200" dirty="0" smtClean="0">
+                <a:solidFill>
+                  <a:schemeClr val="tx1"/>
+                </a:solidFill>
+                <a:effectLst/>
+                <a:latin typeface="+mn-lt"/>
+                <a:ea typeface="+mn-ea"/>
+                <a:cs typeface="+mn-cs"/>
+              </a:rPr>
+              <a:t> Kiểu này tốt ít bộ nhớ nhất.</a:t>
+            </a:r>
+          </a:p>
+          <a:p>
+            <a:r>
+              <a:rPr lang="vi-VN" sz="1200" b="1" i="0" kern="1200" dirty="0" smtClean="0">
+                <a:solidFill>
+                  <a:schemeClr val="tx1"/>
+                </a:solidFill>
+                <a:effectLst/>
+                <a:latin typeface="+mn-lt"/>
+                <a:ea typeface="+mn-ea"/>
+                <a:cs typeface="+mn-cs"/>
+              </a:rPr>
+              <a:t>+ pm = static</a:t>
+            </a:r>
+            <a:r>
+              <a:rPr lang="vi-VN" sz="1200" b="0" i="0" kern="1200" dirty="0" smtClean="0">
+                <a:solidFill>
+                  <a:schemeClr val="tx1"/>
+                </a:solidFill>
+                <a:effectLst/>
+                <a:latin typeface="+mn-lt"/>
+                <a:ea typeface="+mn-ea"/>
+                <a:cs typeface="+mn-cs"/>
+              </a:rPr>
+              <a:t> fix cứng 1 số lượng process được duy trì. Điều này có một số lợi ích, chính là PHP-FPM không phải sản sinh lại processes mới khi cần. Nó rõ ràng là nhanh hơn để xử lý các requests nếu bạn đã có sẵn các child processes ở đó, không phải chậm chễ để sản sinh lại.</a:t>
+            </a:r>
+            <a:r>
+              <a:rPr lang="vi-VN" sz="1200" b="0" i="0" kern="1200" baseline="0" dirty="0" smtClean="0">
+                <a:solidFill>
+                  <a:schemeClr val="tx1"/>
+                </a:solidFill>
+                <a:effectLst/>
+                <a:latin typeface="+mn-lt"/>
+                <a:ea typeface="+mn-ea"/>
+                <a:cs typeface="+mn-cs"/>
+              </a:rPr>
+              <a:t> </a:t>
+            </a:r>
+            <a:r>
+              <a:rPr lang="vi-VN" sz="1200" b="1" i="0" kern="1200" dirty="0" smtClean="0">
+                <a:solidFill>
+                  <a:schemeClr val="tx1"/>
+                </a:solidFill>
+                <a:effectLst/>
+                <a:latin typeface="+mn-lt"/>
+                <a:ea typeface="+mn-ea"/>
+                <a:cs typeface="+mn-cs"/>
+              </a:rPr>
+              <a:t>Kiểu này sử dụng nhiều bộ nhớ nhất</a:t>
+            </a:r>
+          </a:p>
+          <a:p>
+            <a:r>
+              <a:rPr lang="vi-VN" sz="1200" b="1" i="0" kern="1200" dirty="0" smtClean="0">
+                <a:solidFill>
+                  <a:schemeClr val="tx1"/>
+                </a:solidFill>
+                <a:effectLst/>
+                <a:latin typeface="+mn-lt"/>
+                <a:ea typeface="+mn-ea"/>
+                <a:cs typeface="+mn-cs"/>
+              </a:rPr>
+              <a:t>+ pm = dynamic</a:t>
+            </a:r>
+            <a:r>
+              <a:rPr lang="vi-VN" sz="1200" b="0" i="0" kern="1200" dirty="0" smtClean="0">
+                <a:solidFill>
+                  <a:schemeClr val="tx1"/>
+                </a:solidFill>
+                <a:effectLst/>
+                <a:latin typeface="+mn-lt"/>
+                <a:ea typeface="+mn-ea"/>
+                <a:cs typeface="+mn-cs"/>
+              </a:rPr>
+              <a:t> chia sẻ các hành xử tương tự như </a:t>
+            </a:r>
+            <a:r>
+              <a:rPr lang="vi-VN" sz="1200" b="1" i="0" kern="1200" dirty="0" smtClean="0">
+                <a:solidFill>
+                  <a:schemeClr val="tx1"/>
+                </a:solidFill>
+                <a:effectLst/>
+                <a:latin typeface="+mn-lt"/>
+                <a:ea typeface="+mn-ea"/>
+                <a:cs typeface="+mn-cs"/>
+              </a:rPr>
+              <a:t>static</a:t>
+            </a:r>
+            <a:r>
+              <a:rPr lang="vi-VN" sz="1200" b="0" i="0" kern="1200" dirty="0" smtClean="0">
+                <a:solidFill>
+                  <a:schemeClr val="tx1"/>
+                </a:solidFill>
+                <a:effectLst/>
+                <a:latin typeface="+mn-lt"/>
+                <a:ea typeface="+mn-ea"/>
+                <a:cs typeface="+mn-cs"/>
+              </a:rPr>
+              <a:t>, chỉ khác là bạn có thêm các thiết lập của </a:t>
+            </a:r>
+            <a:r>
+              <a:rPr lang="vi-VN" sz="1200" b="1" i="0" kern="1200" dirty="0" smtClean="0">
+                <a:solidFill>
+                  <a:schemeClr val="tx1"/>
+                </a:solidFill>
+                <a:effectLst/>
+                <a:latin typeface="+mn-lt"/>
+                <a:ea typeface="+mn-ea"/>
+                <a:cs typeface="+mn-cs"/>
+              </a:rPr>
+              <a:t>pm.min_spare_servers</a:t>
+            </a:r>
+            <a:r>
+              <a:rPr lang="vi-VN" sz="1200" b="0" i="0" kern="1200" dirty="0" smtClean="0">
+                <a:solidFill>
+                  <a:schemeClr val="tx1"/>
+                </a:solidFill>
+                <a:effectLst/>
+                <a:latin typeface="+mn-lt"/>
+                <a:ea typeface="+mn-ea"/>
+                <a:cs typeface="+mn-cs"/>
+              </a:rPr>
+              <a:t> và </a:t>
+            </a:r>
+            <a:r>
+              <a:rPr lang="vi-VN" sz="1200" b="1" i="0" kern="1200" dirty="0" smtClean="0">
+                <a:solidFill>
+                  <a:schemeClr val="tx1"/>
+                </a:solidFill>
+                <a:effectLst/>
+                <a:latin typeface="+mn-lt"/>
+                <a:ea typeface="+mn-ea"/>
+                <a:cs typeface="+mn-cs"/>
+              </a:rPr>
+              <a:t>pm.max_spare_servers</a:t>
+            </a:r>
+            <a:r>
+              <a:rPr lang="vi-VN" sz="1200" b="0" i="0" kern="1200" dirty="0" smtClean="0">
+                <a:solidFill>
+                  <a:schemeClr val="tx1"/>
+                </a:solidFill>
+                <a:effectLst/>
+                <a:latin typeface="+mn-lt"/>
+                <a:ea typeface="+mn-ea"/>
+                <a:cs typeface="+mn-cs"/>
+              </a:rPr>
+              <a:t>, trong đó có một số child processes được sản sinh từ khi khởi động và đợi các requests để xử lý.</a:t>
+            </a:r>
+            <a:r>
+              <a:rPr lang="vi-VN" sz="1200" b="0" i="0" kern="1200" baseline="0" dirty="0" smtClean="0">
+                <a:solidFill>
+                  <a:schemeClr val="tx1"/>
+                </a:solidFill>
+                <a:effectLst/>
+                <a:latin typeface="+mn-lt"/>
+                <a:ea typeface="+mn-ea"/>
+                <a:cs typeface="+mn-cs"/>
+              </a:rPr>
+              <a:t> </a:t>
+            </a:r>
+            <a:r>
+              <a:rPr lang="vi-VN" sz="1200" b="1" i="0" kern="1200" dirty="0" smtClean="0">
+                <a:solidFill>
+                  <a:schemeClr val="tx1"/>
+                </a:solidFill>
+                <a:effectLst/>
+                <a:latin typeface="+mn-lt"/>
+                <a:ea typeface="+mn-ea"/>
+                <a:cs typeface="+mn-cs"/>
+              </a:rPr>
+              <a:t>Đây là sự cần bằng tốt giữa static và ondemand trong điều kiện sử dụng bộ nhớ</a:t>
+            </a:r>
+            <a:endParaRPr lang="vi-VN" sz="1200" b="0" i="0" kern="1200" dirty="0" smtClean="0">
+              <a:solidFill>
+                <a:schemeClr val="tx1"/>
+              </a:solidFill>
+              <a:effectLst/>
+              <a:latin typeface="+mn-lt"/>
+              <a:ea typeface="+mn-ea"/>
+              <a:cs typeface="+mn-cs"/>
+            </a:endParaRPr>
+          </a:p>
+          <a:p>
+            <a:endParaRPr lang="vi-VN" sz="1200" b="0" i="0" kern="1200" dirty="0" smtClean="0">
+              <a:solidFill>
+                <a:schemeClr val="tx1"/>
+              </a:solidFill>
+              <a:effectLst/>
+              <a:latin typeface="+mn-lt"/>
+              <a:ea typeface="+mn-ea"/>
+              <a:cs typeface="+mn-cs"/>
+            </a:endParaRPr>
+          </a:p>
+          <a:p>
+            <a:endParaRPr lang="vi-VN" dirty="0"/>
+          </a:p>
+        </p:txBody>
+      </p:sp>
+      <p:sp>
+        <p:nvSpPr>
+          <p:cNvPr id="4" name="Slide Number Placeholder 3"/>
+          <p:cNvSpPr>
+            <a:spLocks noGrp="1"/>
+          </p:cNvSpPr>
+          <p:nvPr>
+            <p:ph type="sldNum" sz="quarter" idx="10"/>
+          </p:nvPr>
+        </p:nvSpPr>
+        <p:spPr/>
+        <p:txBody>
+          <a:bodyPr/>
+          <a:lstStyle/>
+          <a:p>
+            <a:fld id="{B7DC25CC-FB07-4185-8561-3DFD47A87278}" type="slidenum">
+              <a:rPr lang="vi-VN" smtClean="0"/>
               <a:t>6</a:t>
+            </a:fld>
+            <a:endParaRPr lang="vi-VN"/>
+          </a:p>
+        </p:txBody>
+      </p:sp>
+    </p:spTree>
+    <p:extLst>
+      <p:ext uri="{BB962C8B-B14F-4D97-AF65-F5344CB8AC3E}">
+        <p14:creationId xmlns:p14="http://schemas.microsoft.com/office/powerpoint/2010/main" val="560539299"/>
+      </p:ext>
+    </p:extLst>
+  </p:cSld>
+  <p:clrMapOvr>
+    <a:masterClrMapping/>
+  </p:clrMapOvr>
+</p:notes>
+</file>
+
+<file path=ppt/notesSlides/notesSlide5.xml><?xml version="1.0" encoding="utf-8"?>
+<p:notes xmlns:a="http://schemas.openxmlformats.org/drawingml/2006/main" xmlns:r="http://schemas.openxmlformats.org/officeDocument/2006/relationships" xmlns:p="http://schemas.openxmlformats.org/presentationml/2006/main">
+  <p:cSld>
+    <p:spTree>
+      <p:nvGrpSpPr>
+        <p:cNvPr id="1" name=""/>
+        <p:cNvGrpSpPr/>
+        <p:nvPr/>
+      </p:nvGrpSpPr>
+      <p:grpSpPr>
+        <a:xfrm>
+          <a:off x="0" y="0"/>
+          <a:ext cx="0" cy="0"/>
+          <a:chOff x="0" y="0"/>
+          <a:chExt cx="0" cy="0"/>
+        </a:xfrm>
+      </p:grpSpPr>
+      <p:sp>
+        <p:nvSpPr>
+          <p:cNvPr id="2" name="Slide Image Placeholder 1"/>
+          <p:cNvSpPr>
+            <a:spLocks noGrp="1" noRot="1" noChangeAspect="1"/>
+          </p:cNvSpPr>
+          <p:nvPr>
+            <p:ph type="sldImg"/>
+          </p:nvPr>
+        </p:nvSpPr>
+        <p:spPr/>
+      </p:sp>
+      <p:sp>
+        <p:nvSpPr>
+          <p:cNvPr id="3" name="Notes Placeholder 2"/>
+          <p:cNvSpPr>
+            <a:spLocks noGrp="1"/>
+          </p:cNvSpPr>
+          <p:nvPr>
+            <p:ph type="body" idx="1"/>
+          </p:nvPr>
+        </p:nvSpPr>
+        <p:spPr/>
+        <p:txBody>
+          <a:bodyPr/>
+          <a:lstStyle/>
+          <a:p>
+            <a:endParaRPr lang="vi-VN" dirty="0"/>
+          </a:p>
+        </p:txBody>
+      </p:sp>
+      <p:sp>
+        <p:nvSpPr>
+          <p:cNvPr id="4" name="Slide Number Placeholder 3"/>
+          <p:cNvSpPr>
+            <a:spLocks noGrp="1"/>
+          </p:cNvSpPr>
+          <p:nvPr>
+            <p:ph type="sldNum" sz="quarter" idx="10"/>
+          </p:nvPr>
+        </p:nvSpPr>
+        <p:spPr/>
+        <p:txBody>
+          <a:bodyPr/>
+          <a:lstStyle/>
+          <a:p>
+            <a:fld id="{B7DC25CC-FB07-4185-8561-3DFD47A87278}" type="slidenum">
+              <a:rPr lang="vi-VN" smtClean="0"/>
+              <a:t>7</a:t>
             </a:fld>
             <a:endParaRPr lang="vi-VN"/>
           </a:p>
@@ -5437,7 +6123,7 @@
           <a:p>
             <a:fld id="{7C629AF2-F55D-4179-BF67-FB1AC8E48A57}" type="datetimeFigureOut">
               <a:rPr lang="vi-VN" smtClean="0"/>
-              <a:t>13/10/2020</a:t>
+              <a:t>14/10/2020</a:t>
             </a:fld>
             <a:endParaRPr lang="vi-VN"/>
           </a:p>
@@ -5607,7 +6293,7 @@
           <a:p>
             <a:fld id="{7C629AF2-F55D-4179-BF67-FB1AC8E48A57}" type="datetimeFigureOut">
               <a:rPr lang="vi-VN" smtClean="0"/>
-              <a:t>13/10/2020</a:t>
+              <a:t>14/10/2020</a:t>
             </a:fld>
             <a:endParaRPr lang="vi-VN"/>
           </a:p>
@@ -5853,7 +6539,7 @@
           <a:p>
             <a:fld id="{7C629AF2-F55D-4179-BF67-FB1AC8E48A57}" type="datetimeFigureOut">
               <a:rPr lang="vi-VN" smtClean="0"/>
-              <a:t>13/10/2020</a:t>
+              <a:t>14/10/2020</a:t>
             </a:fld>
             <a:endParaRPr lang="vi-VN"/>
           </a:p>
@@ -6385,7 +7071,7 @@
           <a:p>
             <a:fld id="{7C629AF2-F55D-4179-BF67-FB1AC8E48A57}" type="datetimeFigureOut">
               <a:rPr lang="vi-VN" smtClean="0"/>
-              <a:t>13/10/2020</a:t>
+              <a:t>14/10/2020</a:t>
             </a:fld>
             <a:endParaRPr lang="vi-VN"/>
           </a:p>
@@ -6807,7 +7493,7 @@
           <a:p>
             <a:fld id="{7C629AF2-F55D-4179-BF67-FB1AC8E48A57}" type="datetimeFigureOut">
               <a:rPr lang="vi-VN" smtClean="0"/>
-              <a:t>13/10/2020</a:t>
+              <a:t>14/10/2020</a:t>
             </a:fld>
             <a:endParaRPr lang="vi-VN"/>
           </a:p>
@@ -6925,7 +7611,7 @@
           <a:p>
             <a:fld id="{7C629AF2-F55D-4179-BF67-FB1AC8E48A57}" type="datetimeFigureOut">
               <a:rPr lang="vi-VN" smtClean="0"/>
-              <a:t>13/10/2020</a:t>
+              <a:t>14/10/2020</a:t>
             </a:fld>
             <a:endParaRPr lang="vi-VN"/>
           </a:p>
@@ -7020,7 +7706,7 @@
           <a:p>
             <a:fld id="{7C629AF2-F55D-4179-BF67-FB1AC8E48A57}" type="datetimeFigureOut">
               <a:rPr lang="vi-VN" smtClean="0"/>
-              <a:t>13/10/2020</a:t>
+              <a:t>14/10/2020</a:t>
             </a:fld>
             <a:endParaRPr lang="vi-VN"/>
           </a:p>
@@ -7297,7 +7983,7 @@
           <a:p>
             <a:fld id="{7C629AF2-F55D-4179-BF67-FB1AC8E48A57}" type="datetimeFigureOut">
               <a:rPr lang="vi-VN" smtClean="0"/>
-              <a:t>13/10/2020</a:t>
+              <a:t>14/10/2020</a:t>
             </a:fld>
             <a:endParaRPr lang="vi-VN"/>
           </a:p>
@@ -7550,7 +8236,7 @@
           <a:p>
             <a:fld id="{7C629AF2-F55D-4179-BF67-FB1AC8E48A57}" type="datetimeFigureOut">
               <a:rPr lang="vi-VN" smtClean="0"/>
-              <a:t>13/10/2020</a:t>
+              <a:t>14/10/2020</a:t>
             </a:fld>
             <a:endParaRPr lang="vi-VN"/>
           </a:p>
@@ -7720,7 +8406,7 @@
           <a:p>
             <a:fld id="{7C629AF2-F55D-4179-BF67-FB1AC8E48A57}" type="datetimeFigureOut">
               <a:rPr lang="vi-VN" smtClean="0"/>
-              <a:t>13/10/2020</a:t>
+              <a:t>14/10/2020</a:t>
             </a:fld>
             <a:endParaRPr lang="vi-VN"/>
           </a:p>
@@ -7900,7 +8586,7 @@
           <a:p>
             <a:fld id="{7C629AF2-F55D-4179-BF67-FB1AC8E48A57}" type="datetimeFigureOut">
               <a:rPr lang="vi-VN" smtClean="0"/>
-              <a:t>13/10/2020</a:t>
+              <a:t>14/10/2020</a:t>
             </a:fld>
             <a:endParaRPr lang="vi-VN"/>
           </a:p>
@@ -12753,7 +13439,7 @@
           <a:p>
             <a:fld id="{7C629AF2-F55D-4179-BF67-FB1AC8E48A57}" type="datetimeFigureOut">
               <a:rPr lang="vi-VN" smtClean="0"/>
-              <a:t>13/10/2020</a:t>
+              <a:t>14/10/2020</a:t>
             </a:fld>
             <a:endParaRPr lang="vi-VN"/>
           </a:p>
@@ -13452,6 +14138,410 @@
         <p:spPr>
           <a:xfrm>
             <a:off x="1142999" y="914400"/>
+            <a:ext cx="1991251" cy="369332"/>
+          </a:xfrm>
+          <a:prstGeom prst="rect">
+            <a:avLst/>
+          </a:prstGeom>
+          <a:noFill/>
+        </p:spPr>
+        <p:txBody>
+          <a:bodyPr wrap="none" rtlCol="0">
+            <a:spAutoFit/>
+          </a:bodyPr>
+          <a:lstStyle/>
+          <a:p>
+            <a:r>
+              <a:rPr lang="en-US" dirty="0" smtClean="0"/>
+              <a:t>c.    </a:t>
+            </a:r>
+            <a:r>
+              <a:rPr lang="en-US" dirty="0" err="1" smtClean="0"/>
+              <a:t>Dừng</a:t>
+            </a:r>
+            <a:r>
+              <a:rPr lang="en-US" dirty="0" smtClean="0"/>
+              <a:t> </a:t>
+            </a:r>
+            <a:r>
+              <a:rPr lang="en-US" dirty="0" err="1" smtClean="0"/>
+              <a:t>tiến</a:t>
+            </a:r>
+            <a:r>
+              <a:rPr lang="en-US" dirty="0" smtClean="0"/>
+              <a:t> </a:t>
+            </a:r>
+            <a:r>
+              <a:rPr lang="en-US" dirty="0" err="1" smtClean="0"/>
+              <a:t>trình</a:t>
+            </a:r>
+            <a:endParaRPr lang="en-US" dirty="0"/>
+          </a:p>
+        </p:txBody>
+      </p:sp>
+      <p:sp>
+        <p:nvSpPr>
+          <p:cNvPr id="7" name="TextBox 6"/>
+          <p:cNvSpPr txBox="1"/>
+          <p:nvPr/>
+        </p:nvSpPr>
+        <p:spPr>
+          <a:xfrm>
+            <a:off x="763436" y="4495800"/>
+            <a:ext cx="6629400" cy="369332"/>
+          </a:xfrm>
+          <a:prstGeom prst="rect">
+            <a:avLst/>
+          </a:prstGeom>
+          <a:noFill/>
+        </p:spPr>
+        <p:txBody>
+          <a:bodyPr wrap="square" rtlCol="0">
+            <a:spAutoFit/>
+          </a:bodyPr>
+          <a:lstStyle/>
+          <a:p>
+            <a:r>
+              <a:rPr lang="vi-VN" dirty="0" smtClean="0"/>
+              <a:t>	Flag (session, file,...) kiểm tra tiến trình.</a:t>
+            </a:r>
+          </a:p>
+        </p:txBody>
+      </p:sp>
+      <p:sp>
+        <p:nvSpPr>
+          <p:cNvPr id="9" name="TextBox 8"/>
+          <p:cNvSpPr txBox="1"/>
+          <p:nvPr/>
+        </p:nvSpPr>
+        <p:spPr>
+          <a:xfrm>
+            <a:off x="709708" y="5537060"/>
+            <a:ext cx="7087273" cy="923330"/>
+          </a:xfrm>
+          <a:prstGeom prst="rect">
+            <a:avLst/>
+          </a:prstGeom>
+          <a:noFill/>
+        </p:spPr>
+        <p:txBody>
+          <a:bodyPr wrap="square" rtlCol="0">
+            <a:spAutoFit/>
+          </a:bodyPr>
+          <a:lstStyle/>
+          <a:p>
+            <a:r>
+              <a:rPr lang="vi-VN" dirty="0" smtClean="0"/>
+              <a:t>    Đợi hoàn thành tiến trình con mới tiến hành dừng process.</a:t>
+            </a:r>
+          </a:p>
+          <a:p>
+            <a:r>
+              <a:rPr lang="vi-VN" dirty="0"/>
+              <a:t> </a:t>
+            </a:r>
+            <a:r>
+              <a:rPr lang="vi-VN" dirty="0" smtClean="0"/>
+              <a:t>   Trước mỗi action, check flag đã được bật hay không, nếu có, dừng tiến trình, commit database và response về cho client.</a:t>
+            </a:r>
+          </a:p>
+        </p:txBody>
+      </p:sp>
+      <p:sp>
+        <p:nvSpPr>
+          <p:cNvPr id="12" name="Right Arrow 11"/>
+          <p:cNvSpPr/>
+          <p:nvPr/>
+        </p:nvSpPr>
+        <p:spPr>
+          <a:xfrm>
+            <a:off x="429880" y="5603397"/>
+            <a:ext cx="381001" cy="224135"/>
+          </a:xfrm>
+          <a:prstGeom prst="rightArrow">
+            <a:avLst/>
+          </a:prstGeom>
+        </p:spPr>
+        <p:style>
+          <a:lnRef idx="2">
+            <a:schemeClr val="accent1">
+              <a:shade val="50000"/>
+            </a:schemeClr>
+          </a:lnRef>
+          <a:fillRef idx="1">
+            <a:schemeClr val="accent1"/>
+          </a:fillRef>
+          <a:effectRef idx="0">
+            <a:schemeClr val="accent1"/>
+          </a:effectRef>
+          <a:fontRef idx="minor">
+            <a:schemeClr val="lt1"/>
+          </a:fontRef>
+        </p:style>
+        <p:txBody>
+          <a:bodyPr rtlCol="0" anchor="ctr"/>
+          <a:lstStyle/>
+          <a:p>
+            <a:pPr algn="ctr"/>
+            <a:endParaRPr lang="vi-VN"/>
+          </a:p>
+        </p:txBody>
+      </p:sp>
+      <p:sp>
+        <p:nvSpPr>
+          <p:cNvPr id="13" name="Plus 12"/>
+          <p:cNvSpPr/>
+          <p:nvPr/>
+        </p:nvSpPr>
+        <p:spPr>
+          <a:xfrm>
+            <a:off x="1446721" y="4565490"/>
+            <a:ext cx="190501" cy="230110"/>
+          </a:xfrm>
+          <a:prstGeom prst="mathPlus">
+            <a:avLst/>
+          </a:prstGeom>
+        </p:spPr>
+        <p:style>
+          <a:lnRef idx="2">
+            <a:schemeClr val="accent1">
+              <a:shade val="50000"/>
+            </a:schemeClr>
+          </a:lnRef>
+          <a:fillRef idx="1">
+            <a:schemeClr val="accent1"/>
+          </a:fillRef>
+          <a:effectRef idx="0">
+            <a:schemeClr val="accent1"/>
+          </a:effectRef>
+          <a:fontRef idx="minor">
+            <a:schemeClr val="lt1"/>
+          </a:fontRef>
+        </p:style>
+        <p:txBody>
+          <a:bodyPr rtlCol="0" anchor="ctr"/>
+          <a:lstStyle/>
+          <a:p>
+            <a:pPr algn="ctr"/>
+            <a:endParaRPr lang="vi-VN"/>
+          </a:p>
+        </p:txBody>
+      </p:sp>
+      <p:sp>
+        <p:nvSpPr>
+          <p:cNvPr id="14" name="Plus 13"/>
+          <p:cNvSpPr/>
+          <p:nvPr/>
+        </p:nvSpPr>
+        <p:spPr>
+          <a:xfrm>
+            <a:off x="1453186" y="4885852"/>
+            <a:ext cx="190501" cy="230110"/>
+          </a:xfrm>
+          <a:prstGeom prst="mathPlus">
+            <a:avLst/>
+          </a:prstGeom>
+        </p:spPr>
+        <p:style>
+          <a:lnRef idx="2">
+            <a:schemeClr val="accent1">
+              <a:shade val="50000"/>
+            </a:schemeClr>
+          </a:lnRef>
+          <a:fillRef idx="1">
+            <a:schemeClr val="accent1"/>
+          </a:fillRef>
+          <a:effectRef idx="0">
+            <a:schemeClr val="accent1"/>
+          </a:effectRef>
+          <a:fontRef idx="minor">
+            <a:schemeClr val="lt1"/>
+          </a:fontRef>
+        </p:style>
+        <p:txBody>
+          <a:bodyPr rtlCol="0" anchor="ctr"/>
+          <a:lstStyle/>
+          <a:p>
+            <a:pPr algn="ctr"/>
+            <a:endParaRPr lang="vi-VN"/>
+          </a:p>
+        </p:txBody>
+      </p:sp>
+      <p:sp>
+        <p:nvSpPr>
+          <p:cNvPr id="15" name="TextBox 14"/>
+          <p:cNvSpPr txBox="1"/>
+          <p:nvPr/>
+        </p:nvSpPr>
+        <p:spPr>
+          <a:xfrm>
+            <a:off x="763436" y="4816241"/>
+            <a:ext cx="6629400" cy="369332"/>
+          </a:xfrm>
+          <a:prstGeom prst="rect">
+            <a:avLst/>
+          </a:prstGeom>
+          <a:noFill/>
+        </p:spPr>
+        <p:txBody>
+          <a:bodyPr wrap="square" rtlCol="0">
+            <a:spAutoFit/>
+          </a:bodyPr>
+          <a:lstStyle/>
+          <a:p>
+            <a:r>
+              <a:rPr lang="vi-VN" dirty="0" smtClean="0"/>
+              <a:t>	Transaction commit database.</a:t>
+            </a:r>
+          </a:p>
+        </p:txBody>
+      </p:sp>
+    </p:spTree>
+    <p:extLst>
+      <p:ext uri="{BB962C8B-B14F-4D97-AF65-F5344CB8AC3E}">
+        <p14:creationId xmlns:p14="http://schemas.microsoft.com/office/powerpoint/2010/main" val="789772426"/>
+      </p:ext>
+    </p:extLst>
+  </p:cSld>
+  <p:clrMapOvr>
+    <a:masterClrMapping/>
+  </p:clrMapOvr>
+</p:sld>
+</file>
+
+<file path=ppt/slides/slide11.xml><?xml version="1.0" encoding="utf-8"?>
+<p:sld xmlns:a="http://schemas.openxmlformats.org/drawingml/2006/main" xmlns:r="http://schemas.openxmlformats.org/officeDocument/2006/relationships" xmlns:p="http://schemas.openxmlformats.org/presentationml/2006/main">
+  <p:cSld>
+    <p:spTree>
+      <p:nvGrpSpPr>
+        <p:cNvPr id="1" name=""/>
+        <p:cNvGrpSpPr/>
+        <p:nvPr/>
+      </p:nvGrpSpPr>
+      <p:grpSpPr>
+        <a:xfrm>
+          <a:off x="0" y="0"/>
+          <a:ext cx="0" cy="0"/>
+          <a:chOff x="0" y="0"/>
+          <a:chExt cx="0" cy="0"/>
+        </a:xfrm>
+      </p:grpSpPr>
+      <p:pic>
+        <p:nvPicPr>
+          <p:cNvPr id="4" name="Picture 4" descr="Jidoka"/>
+          <p:cNvPicPr>
+            <a:picLocks noChangeAspect="1" noChangeArrowheads="1"/>
+          </p:cNvPicPr>
+          <p:nvPr/>
+        </p:nvPicPr>
+        <p:blipFill>
+          <a:blip r:embed="rId2">
+            <a:extLst>
+              <a:ext uri="{28A0092B-C50C-407E-A947-70E740481C1C}">
+                <a14:useLocalDpi xmlns:a14="http://schemas.microsoft.com/office/drawing/2010/main" val="0"/>
+              </a:ext>
+            </a:extLst>
+          </a:blip>
+          <a:srcRect/>
+          <a:stretch>
+            <a:fillRect/>
+          </a:stretch>
+        </p:blipFill>
+        <p:spPr bwMode="auto">
+          <a:xfrm>
+            <a:off x="1066800" y="1676400"/>
+            <a:ext cx="6373091" cy="2743200"/>
+          </a:xfrm>
+          <a:prstGeom prst="rect">
+            <a:avLst/>
+          </a:prstGeom>
+          <a:noFill/>
+          <a:extLst>
+            <a:ext uri="{909E8E84-426E-40DD-AFC4-6F175D3DCCD1}">
+              <a14:hiddenFill xmlns:a14="http://schemas.microsoft.com/office/drawing/2010/main">
+                <a:solidFill>
+                  <a:srgbClr val="FFFFFF"/>
+                </a:solidFill>
+              </a14:hiddenFill>
+            </a:ext>
+          </a:extLst>
+        </p:spPr>
+      </p:pic>
+      <p:sp>
+        <p:nvSpPr>
+          <p:cNvPr id="5" name="TextBox 4"/>
+          <p:cNvSpPr txBox="1"/>
+          <p:nvPr/>
+        </p:nvSpPr>
+        <p:spPr>
+          <a:xfrm>
+            <a:off x="577673" y="479234"/>
+            <a:ext cx="2480038" cy="369332"/>
+          </a:xfrm>
+          <a:prstGeom prst="rect">
+            <a:avLst/>
+          </a:prstGeom>
+          <a:noFill/>
+        </p:spPr>
+        <p:txBody>
+          <a:bodyPr wrap="none" rtlCol="0">
+            <a:spAutoFit/>
+          </a:bodyPr>
+          <a:lstStyle/>
+          <a:p>
+            <a:r>
+              <a:rPr lang="en-US" dirty="0" smtClean="0"/>
+              <a:t>II. </a:t>
+            </a:r>
+            <a:r>
+              <a:rPr lang="en-US" dirty="0" err="1" smtClean="0"/>
+              <a:t>Thao</a:t>
+            </a:r>
+            <a:r>
+              <a:rPr lang="en-US" dirty="0" smtClean="0"/>
+              <a:t> </a:t>
+            </a:r>
+            <a:r>
+              <a:rPr lang="en-US" dirty="0" err="1" smtClean="0"/>
+              <a:t>tác</a:t>
+            </a:r>
+            <a:r>
+              <a:rPr lang="en-US" dirty="0" smtClean="0"/>
+              <a:t> </a:t>
+            </a:r>
+            <a:r>
+              <a:rPr lang="en-US" dirty="0" err="1" smtClean="0"/>
+              <a:t>với</a:t>
+            </a:r>
+            <a:r>
+              <a:rPr lang="en-US" dirty="0" smtClean="0"/>
+              <a:t> </a:t>
+            </a:r>
+            <a:r>
+              <a:rPr lang="en-US" dirty="0" err="1" smtClean="0"/>
+              <a:t>tiến</a:t>
+            </a:r>
+            <a:r>
+              <a:rPr lang="en-US" dirty="0" smtClean="0"/>
+              <a:t> </a:t>
+            </a:r>
+            <a:r>
+              <a:rPr lang="en-US" dirty="0" err="1" smtClean="0"/>
+              <a:t>trình</a:t>
+            </a:r>
+            <a:endParaRPr lang="vi-VN" dirty="0"/>
+          </a:p>
+        </p:txBody>
+      </p:sp>
+      <p:sp>
+        <p:nvSpPr>
+          <p:cNvPr id="6" name="TextBox 5"/>
+          <p:cNvSpPr txBox="1"/>
+          <p:nvPr/>
+        </p:nvSpPr>
+        <p:spPr>
+          <a:xfrm>
+            <a:off x="1142999" y="914400"/>
             <a:ext cx="1757212" cy="369332"/>
           </a:xfrm>
           <a:prstGeom prst="rect">
@@ -13756,7 +14846,7 @@
 </p:sld>
 </file>
 
-<file path=ppt/slides/slide11.xml><?xml version="1.0" encoding="utf-8"?>
+<file path=ppt/slides/slide12.xml><?xml version="1.0" encoding="utf-8"?>
 <p:sld xmlns:a="http://schemas.openxmlformats.org/drawingml/2006/main" xmlns:r="http://schemas.openxmlformats.org/officeDocument/2006/relationships" xmlns:p="http://schemas.openxmlformats.org/presentationml/2006/main">
   <p:cSld>
     <p:spTree>
@@ -13910,7 +15000,7 @@
 </p:sld>
 </file>
 
-<file path=ppt/slides/slide12.xml><?xml version="1.0" encoding="utf-8"?>
+<file path=ppt/slides/slide13.xml><?xml version="1.0" encoding="utf-8"?>
 <p:sld xmlns:a="http://schemas.openxmlformats.org/drawingml/2006/main" xmlns:r="http://schemas.openxmlformats.org/officeDocument/2006/relationships" xmlns:p="http://schemas.openxmlformats.org/presentationml/2006/main">
   <p:cSld>
     <p:spTree>
@@ -14084,7 +15174,7 @@
 </p:sld>
 </file>
 
-<file path=ppt/slides/slide13.xml><?xml version="1.0" encoding="utf-8"?>
+<file path=ppt/slides/slide14.xml><?xml version="1.0" encoding="utf-8"?>
 <p:sld xmlns:a="http://schemas.openxmlformats.org/drawingml/2006/main" xmlns:r="http://schemas.openxmlformats.org/officeDocument/2006/relationships" xmlns:p="http://schemas.openxmlformats.org/presentationml/2006/main">
   <p:cSld>
     <p:spTree>
@@ -14250,7 +15340,7 @@
 </p:sld>
 </file>
 
-<file path=ppt/slides/slide14.xml><?xml version="1.0" encoding="utf-8"?>
+<file path=ppt/slides/slide15.xml><?xml version="1.0" encoding="utf-8"?>
 <p:sld xmlns:a="http://schemas.openxmlformats.org/drawingml/2006/main" xmlns:r="http://schemas.openxmlformats.org/officeDocument/2006/relationships" xmlns:p="http://schemas.openxmlformats.org/presentationml/2006/main">
   <p:cSld>
     <p:spTree>
@@ -14416,7 +15506,7 @@
 </p:sld>
 </file>
 
-<file path=ppt/slides/slide15.xml><?xml version="1.0" encoding="utf-8"?>
+<file path=ppt/slides/slide16.xml><?xml version="1.0" encoding="utf-8"?>
 <p:sld xmlns:a="http://schemas.openxmlformats.org/drawingml/2006/main" xmlns:r="http://schemas.openxmlformats.org/officeDocument/2006/relationships" xmlns:p="http://schemas.openxmlformats.org/presentationml/2006/main">
   <p:cSld>
     <p:spTree>
@@ -15506,7 +16596,7 @@
           <p:nvPr/>
         </p:nvPicPr>
         <p:blipFill>
-          <a:blip r:embed="rId2">
+          <a:blip r:embed="rId3">
             <a:extLst>
               <a:ext uri="{28A0092B-C50C-407E-A947-70E740481C1C}">
                 <a14:useLocalDpi xmlns:a14="http://schemas.microsoft.com/office/drawing/2010/main" val="0"/>
@@ -15734,6 +16824,213 @@
 </file>
 
 <file path=ppt/slides/slide4.xml><?xml version="1.0" encoding="utf-8"?>
+<p:sld xmlns:a="http://schemas.openxmlformats.org/drawingml/2006/main" xmlns:r="http://schemas.openxmlformats.org/officeDocument/2006/relationships" xmlns:p="http://schemas.openxmlformats.org/presentationml/2006/main">
+  <p:cSld>
+    <p:spTree>
+      <p:nvGrpSpPr>
+        <p:cNvPr id="1" name=""/>
+        <p:cNvGrpSpPr/>
+        <p:nvPr/>
+      </p:nvGrpSpPr>
+      <p:grpSpPr>
+        <a:xfrm>
+          <a:off x="0" y="0"/>
+          <a:ext cx="0" cy="0"/>
+          <a:chOff x="0" y="0"/>
+          <a:chExt cx="0" cy="0"/>
+        </a:xfrm>
+      </p:grpSpPr>
+      <p:sp>
+        <p:nvSpPr>
+          <p:cNvPr id="5" name="TextBox 4"/>
+          <p:cNvSpPr txBox="1"/>
+          <p:nvPr/>
+        </p:nvSpPr>
+        <p:spPr>
+          <a:xfrm>
+            <a:off x="577673" y="472530"/>
+            <a:ext cx="1285929" cy="369332"/>
+          </a:xfrm>
+          <a:prstGeom prst="rect">
+            <a:avLst/>
+          </a:prstGeom>
+          <a:noFill/>
+        </p:spPr>
+        <p:txBody>
+          <a:bodyPr wrap="none" rtlCol="0">
+            <a:spAutoFit/>
+          </a:bodyPr>
+          <a:lstStyle/>
+          <a:p>
+            <a:r>
+              <a:rPr lang="en-US" dirty="0" smtClean="0"/>
+              <a:t>I. </a:t>
+            </a:r>
+            <a:r>
+              <a:rPr lang="en-US" dirty="0" err="1" smtClean="0"/>
+              <a:t>Khái</a:t>
+            </a:r>
+            <a:r>
+              <a:rPr lang="en-US" dirty="0" smtClean="0"/>
+              <a:t> </a:t>
+            </a:r>
+            <a:r>
+              <a:rPr lang="en-US" dirty="0" err="1" smtClean="0"/>
+              <a:t>niệm</a:t>
+            </a:r>
+            <a:endParaRPr lang="vi-VN" dirty="0"/>
+          </a:p>
+        </p:txBody>
+      </p:sp>
+      <p:sp>
+        <p:nvSpPr>
+          <p:cNvPr id="6" name="TextBox 5"/>
+          <p:cNvSpPr txBox="1"/>
+          <p:nvPr/>
+        </p:nvSpPr>
+        <p:spPr>
+          <a:xfrm>
+            <a:off x="990600" y="841862"/>
+            <a:ext cx="2208490" cy="369332"/>
+          </a:xfrm>
+          <a:prstGeom prst="rect">
+            <a:avLst/>
+          </a:prstGeom>
+          <a:noFill/>
+        </p:spPr>
+        <p:txBody>
+          <a:bodyPr wrap="none" rtlCol="0">
+            <a:spAutoFit/>
+          </a:bodyPr>
+          <a:lstStyle/>
+          <a:p>
+            <a:pPr marL="342900" indent="-342900">
+              <a:buAutoNum type="alphaLcPeriod"/>
+            </a:pPr>
+            <a:r>
+              <a:rPr lang="en-US" dirty="0" err="1" smtClean="0"/>
+              <a:t>Tiến</a:t>
+            </a:r>
+            <a:r>
+              <a:rPr lang="en-US" dirty="0" smtClean="0"/>
+              <a:t> </a:t>
+            </a:r>
+            <a:r>
+              <a:rPr lang="en-US" dirty="0" err="1" smtClean="0"/>
+              <a:t>trình</a:t>
+            </a:r>
+            <a:r>
+              <a:rPr lang="en-US" dirty="0"/>
+              <a:t> </a:t>
+            </a:r>
+            <a:r>
+              <a:rPr lang="en-US" dirty="0" smtClean="0"/>
+              <a:t>request</a:t>
+            </a:r>
+          </a:p>
+        </p:txBody>
+      </p:sp>
+      <p:sp>
+        <p:nvSpPr>
+          <p:cNvPr id="8" name="TextBox 7"/>
+          <p:cNvSpPr txBox="1"/>
+          <p:nvPr/>
+        </p:nvSpPr>
+        <p:spPr>
+          <a:xfrm>
+            <a:off x="1220637" y="5181600"/>
+            <a:ext cx="6799413" cy="1200329"/>
+          </a:xfrm>
+          <a:prstGeom prst="rect">
+            <a:avLst/>
+          </a:prstGeom>
+          <a:noFill/>
+        </p:spPr>
+        <p:txBody>
+          <a:bodyPr wrap="square" rtlCol="0">
+            <a:spAutoFit/>
+          </a:bodyPr>
+          <a:lstStyle/>
+          <a:p>
+            <a:r>
+              <a:rPr lang="en-US" dirty="0" smtClean="0"/>
+              <a:t>	</a:t>
+            </a:r>
+            <a:r>
+              <a:rPr lang="vi-VN" dirty="0"/>
+              <a:t>K</a:t>
+            </a:r>
+            <a:r>
+              <a:rPr lang="vi-VN" dirty="0" smtClean="0"/>
+              <a:t>hi </a:t>
+            </a:r>
+            <a:r>
+              <a:rPr lang="vi-VN" dirty="0"/>
+              <a:t>có 1 request tới server PHP thì không phải PHP xử lý nó trực tiếp mà là các máy chủ (Nginx / Apache), sau đó các máy chủ này mới quyết định truyền dữ liệu, type, header tới PHP.</a:t>
+            </a:r>
+            <a:r>
+              <a:rPr lang="en-US" dirty="0" smtClean="0"/>
+              <a:t>	</a:t>
+            </a:r>
+            <a:endParaRPr lang="vi-VN" dirty="0"/>
+          </a:p>
+        </p:txBody>
+      </p:sp>
+      <p:pic>
+        <p:nvPicPr>
+          <p:cNvPr id="2050" name="Picture 2" descr="https://i2.wp.com/s3-ap-southeast-1.amazonaws.com/techover.storage/wp-content/uploads/2019/12/23220705/php_request.png?w=1170&amp;ssl=1"/>
+          <p:cNvPicPr>
+            <a:picLocks noChangeAspect="1" noChangeArrowheads="1"/>
+          </p:cNvPicPr>
+          <p:nvPr/>
+        </p:nvPicPr>
+        <p:blipFill>
+          <a:blip r:embed="rId3">
+            <a:extLst>
+              <a:ext uri="{28A0092B-C50C-407E-A947-70E740481C1C}">
+                <a14:useLocalDpi xmlns:a14="http://schemas.microsoft.com/office/drawing/2010/main" val="0"/>
+              </a:ext>
+            </a:extLst>
+          </a:blip>
+          <a:srcRect/>
+          <a:stretch>
+            <a:fillRect/>
+          </a:stretch>
+        </p:blipFill>
+        <p:spPr bwMode="auto">
+          <a:xfrm>
+            <a:off x="914400" y="1211194"/>
+            <a:ext cx="7105650" cy="3895725"/>
+          </a:xfrm>
+          <a:prstGeom prst="rect">
+            <a:avLst/>
+          </a:prstGeom>
+          <a:noFill/>
+          <a:extLst>
+            <a:ext uri="{909E8E84-426E-40DD-AFC4-6F175D3DCCD1}">
+              <a14:hiddenFill xmlns:a14="http://schemas.microsoft.com/office/drawing/2010/main">
+                <a:solidFill>
+                  <a:srgbClr val="FFFFFF"/>
+                </a:solidFill>
+              </a14:hiddenFill>
+            </a:ext>
+          </a:extLst>
+        </p:spPr>
+      </p:pic>
+    </p:spTree>
+    <p:extLst>
+      <p:ext uri="{BB962C8B-B14F-4D97-AF65-F5344CB8AC3E}">
+        <p14:creationId xmlns:p14="http://schemas.microsoft.com/office/powerpoint/2010/main" val="500440582"/>
+      </p:ext>
+    </p:extLst>
+  </p:cSld>
+  <p:clrMapOvr>
+    <a:masterClrMapping/>
+  </p:clrMapOvr>
+</p:sld>
+</file>
+
+<file path=ppt/slides/slide5.xml><?xml version="1.0" encoding="utf-8"?>
 <p:sld xmlns:a="http://schemas.openxmlformats.org/drawingml/2006/main" xmlns:r="http://schemas.openxmlformats.org/officeDocument/2006/relationships" xmlns:p="http://schemas.openxmlformats.org/presentationml/2006/main">
   <p:cSld>
     <p:spTree>
@@ -16106,7 +17403,7 @@
 </p:sld>
 </file>
 
-<file path=ppt/slides/slide5.xml><?xml version="1.0" encoding="utf-8"?>
+<file path=ppt/slides/slide6.xml><?xml version="1.0" encoding="utf-8"?>
 <p:sld xmlns:a="http://schemas.openxmlformats.org/drawingml/2006/main" xmlns:r="http://schemas.openxmlformats.org/officeDocument/2006/relationships" xmlns:p="http://schemas.openxmlformats.org/presentationml/2006/main">
   <p:cSld>
     <p:spTree>
@@ -16174,7 +17471,7 @@
           <p:nvPr/>
         </p:nvPicPr>
         <p:blipFill>
-          <a:blip r:embed="rId2">
+          <a:blip r:embed="rId3">
             <a:extLst>
               <a:ext uri="{28A0092B-C50C-407E-A947-70E740481C1C}">
                 <a14:useLocalDpi xmlns:a14="http://schemas.microsoft.com/office/drawing/2010/main" val="0"/>
@@ -16250,11 +17547,7 @@
             </a:r>
             <a:r>
               <a:rPr lang="vi-VN" dirty="0" smtClean="0"/>
-              <a:t>ra số child processes </a:t>
-            </a:r>
-            <a:r>
-              <a:rPr lang="vi-VN" dirty="0" smtClean="0"/>
-              <a:t>khi </a:t>
+              <a:t>ra số child processes khi </a:t>
             </a:r>
             <a:r>
               <a:rPr lang="vi-VN" dirty="0"/>
@@ -16381,7 +17674,7 @@
 </p:sld>
 </file>
 
-<file path=ppt/slides/slide6.xml><?xml version="1.0" encoding="utf-8"?>
+<file path=ppt/slides/slide7.xml><?xml version="1.0" encoding="utf-8"?>
 <p:sld xmlns:a="http://schemas.openxmlformats.org/drawingml/2006/main" xmlns:r="http://schemas.openxmlformats.org/officeDocument/2006/relationships" xmlns:p="http://schemas.openxmlformats.org/presentationml/2006/main">
   <p:cSld>
     <p:spTree>
@@ -16603,7 +17896,7 @@
 </p:sld>
 </file>
 
-<file path=ppt/slides/slide7.xml><?xml version="1.0" encoding="utf-8"?>
+<file path=ppt/slides/slide8.xml><?xml version="1.0" encoding="utf-8"?>
 <p:sld xmlns:a="http://schemas.openxmlformats.org/drawingml/2006/main" xmlns:r="http://schemas.openxmlformats.org/officeDocument/2006/relationships" xmlns:p="http://schemas.openxmlformats.org/presentationml/2006/main">
   <p:cSld>
     <p:spTree>
@@ -16917,7 +18210,6 @@
               <a:rPr lang="vi-VN" dirty="0" smtClean="0"/>
               <a:t>Gọi function cần chạy, không chờ response của hàm exec.</a:t>
             </a:r>
-            <a:endParaRPr lang="vi-VN" dirty="0" smtClean="0"/>
           </a:p>
         </p:txBody>
       </p:sp>
@@ -16934,7 +18226,7 @@
 </p:sld>
 </file>
 
-<file path=ppt/slides/slide8.xml><?xml version="1.0" encoding="utf-8"?>
+<file path=ppt/slides/slide9.xml><?xml version="1.0" encoding="utf-8"?>
 <p:sld xmlns:a="http://schemas.openxmlformats.org/drawingml/2006/main" xmlns:r="http://schemas.openxmlformats.org/officeDocument/2006/relationships" xmlns:p="http://schemas.openxmlformats.org/presentationml/2006/main">
   <p:cSld>
     <p:spTree>
@@ -17260,7 +18552,6 @@
               <a:rPr lang="vi-VN" dirty="0" smtClean="0"/>
               <a:t>Có thể lấy được response của hàm exec().</a:t>
             </a:r>
-            <a:endParaRPr lang="vi-VN" dirty="0" smtClean="0"/>
           </a:p>
         </p:txBody>
       </p:sp>
@@ -17388,410 +18679,6 @@
     <p:extLst>
       <p:ext uri="{BB962C8B-B14F-4D97-AF65-F5344CB8AC3E}">
         <p14:creationId xmlns:p14="http://schemas.microsoft.com/office/powerpoint/2010/main" val="3322492422"/>
-      </p:ext>
-    </p:extLst>
-  </p:cSld>
-  <p:clrMapOvr>
-    <a:masterClrMapping/>
-  </p:clrMapOvr>
-</p:sld>
-</file>
-
-<file path=ppt/slides/slide9.xml><?xml version="1.0" encoding="utf-8"?>
-<p:sld xmlns:a="http://schemas.openxmlformats.org/drawingml/2006/main" xmlns:r="http://schemas.openxmlformats.org/officeDocument/2006/relationships" xmlns:p="http://schemas.openxmlformats.org/presentationml/2006/main">
-  <p:cSld>
-    <p:spTree>
-      <p:nvGrpSpPr>
-        <p:cNvPr id="1" name=""/>
-        <p:cNvGrpSpPr/>
-        <p:nvPr/>
-      </p:nvGrpSpPr>
-      <p:grpSpPr>
-        <a:xfrm>
-          <a:off x="0" y="0"/>
-          <a:ext cx="0" cy="0"/>
-          <a:chOff x="0" y="0"/>
-          <a:chExt cx="0" cy="0"/>
-        </a:xfrm>
-      </p:grpSpPr>
-      <p:pic>
-        <p:nvPicPr>
-          <p:cNvPr id="4" name="Picture 4" descr="Jidoka"/>
-          <p:cNvPicPr>
-            <a:picLocks noChangeAspect="1" noChangeArrowheads="1"/>
-          </p:cNvPicPr>
-          <p:nvPr/>
-        </p:nvPicPr>
-        <p:blipFill>
-          <a:blip r:embed="rId2">
-            <a:extLst>
-              <a:ext uri="{28A0092B-C50C-407E-A947-70E740481C1C}">
-                <a14:useLocalDpi xmlns:a14="http://schemas.microsoft.com/office/drawing/2010/main" val="0"/>
-              </a:ext>
-            </a:extLst>
-          </a:blip>
-          <a:srcRect/>
-          <a:stretch>
-            <a:fillRect/>
-          </a:stretch>
-        </p:blipFill>
-        <p:spPr bwMode="auto">
-          <a:xfrm>
-            <a:off x="1066800" y="1676400"/>
-            <a:ext cx="6373091" cy="2743200"/>
-          </a:xfrm>
-          <a:prstGeom prst="rect">
-            <a:avLst/>
-          </a:prstGeom>
-          <a:noFill/>
-          <a:extLst>
-            <a:ext uri="{909E8E84-426E-40DD-AFC4-6F175D3DCCD1}">
-              <a14:hiddenFill xmlns:a14="http://schemas.microsoft.com/office/drawing/2010/main">
-                <a:solidFill>
-                  <a:srgbClr val="FFFFFF"/>
-                </a:solidFill>
-              </a14:hiddenFill>
-            </a:ext>
-          </a:extLst>
-        </p:spPr>
-      </p:pic>
-      <p:sp>
-        <p:nvSpPr>
-          <p:cNvPr id="5" name="TextBox 4"/>
-          <p:cNvSpPr txBox="1"/>
-          <p:nvPr/>
-        </p:nvSpPr>
-        <p:spPr>
-          <a:xfrm>
-            <a:off x="577673" y="479234"/>
-            <a:ext cx="2480038" cy="369332"/>
-          </a:xfrm>
-          <a:prstGeom prst="rect">
-            <a:avLst/>
-          </a:prstGeom>
-          <a:noFill/>
-        </p:spPr>
-        <p:txBody>
-          <a:bodyPr wrap="none" rtlCol="0">
-            <a:spAutoFit/>
-          </a:bodyPr>
-          <a:lstStyle/>
-          <a:p>
-            <a:r>
-              <a:rPr lang="en-US" dirty="0" smtClean="0"/>
-              <a:t>II. </a:t>
-            </a:r>
-            <a:r>
-              <a:rPr lang="en-US" dirty="0" err="1" smtClean="0"/>
-              <a:t>Thao</a:t>
-            </a:r>
-            <a:r>
-              <a:rPr lang="en-US" dirty="0" smtClean="0"/>
-              <a:t> </a:t>
-            </a:r>
-            <a:r>
-              <a:rPr lang="en-US" dirty="0" err="1" smtClean="0"/>
-              <a:t>tác</a:t>
-            </a:r>
-            <a:r>
-              <a:rPr lang="en-US" dirty="0" smtClean="0"/>
-              <a:t> </a:t>
-            </a:r>
-            <a:r>
-              <a:rPr lang="en-US" dirty="0" err="1" smtClean="0"/>
-              <a:t>với</a:t>
-            </a:r>
-            <a:r>
-              <a:rPr lang="en-US" dirty="0" smtClean="0"/>
-              <a:t> </a:t>
-            </a:r>
-            <a:r>
-              <a:rPr lang="en-US" dirty="0" err="1" smtClean="0"/>
-              <a:t>tiến</a:t>
-            </a:r>
-            <a:r>
-              <a:rPr lang="en-US" dirty="0" smtClean="0"/>
-              <a:t> </a:t>
-            </a:r>
-            <a:r>
-              <a:rPr lang="en-US" dirty="0" err="1" smtClean="0"/>
-              <a:t>trình</a:t>
-            </a:r>
-            <a:endParaRPr lang="vi-VN" dirty="0"/>
-          </a:p>
-        </p:txBody>
-      </p:sp>
-      <p:sp>
-        <p:nvSpPr>
-          <p:cNvPr id="6" name="TextBox 5"/>
-          <p:cNvSpPr txBox="1"/>
-          <p:nvPr/>
-        </p:nvSpPr>
-        <p:spPr>
-          <a:xfrm>
-            <a:off x="1142999" y="914400"/>
-            <a:ext cx="1991251" cy="369332"/>
-          </a:xfrm>
-          <a:prstGeom prst="rect">
-            <a:avLst/>
-          </a:prstGeom>
-          <a:noFill/>
-        </p:spPr>
-        <p:txBody>
-          <a:bodyPr wrap="none" rtlCol="0">
-            <a:spAutoFit/>
-          </a:bodyPr>
-          <a:lstStyle/>
-          <a:p>
-            <a:r>
-              <a:rPr lang="en-US" dirty="0" smtClean="0"/>
-              <a:t>c.    </a:t>
-            </a:r>
-            <a:r>
-              <a:rPr lang="en-US" dirty="0" err="1" smtClean="0"/>
-              <a:t>Dừng</a:t>
-            </a:r>
-            <a:r>
-              <a:rPr lang="en-US" dirty="0" smtClean="0"/>
-              <a:t> </a:t>
-            </a:r>
-            <a:r>
-              <a:rPr lang="en-US" dirty="0" err="1" smtClean="0"/>
-              <a:t>tiến</a:t>
-            </a:r>
-            <a:r>
-              <a:rPr lang="en-US" dirty="0" smtClean="0"/>
-              <a:t> </a:t>
-            </a:r>
-            <a:r>
-              <a:rPr lang="en-US" dirty="0" err="1" smtClean="0"/>
-              <a:t>trình</a:t>
-            </a:r>
-            <a:endParaRPr lang="en-US" dirty="0"/>
-          </a:p>
-        </p:txBody>
-      </p:sp>
-      <p:sp>
-        <p:nvSpPr>
-          <p:cNvPr id="7" name="TextBox 6"/>
-          <p:cNvSpPr txBox="1"/>
-          <p:nvPr/>
-        </p:nvSpPr>
-        <p:spPr>
-          <a:xfrm>
-            <a:off x="763436" y="4495800"/>
-            <a:ext cx="6629400" cy="369332"/>
-          </a:xfrm>
-          <a:prstGeom prst="rect">
-            <a:avLst/>
-          </a:prstGeom>
-          <a:noFill/>
-        </p:spPr>
-        <p:txBody>
-          <a:bodyPr wrap="square" rtlCol="0">
-            <a:spAutoFit/>
-          </a:bodyPr>
-          <a:lstStyle/>
-          <a:p>
-            <a:r>
-              <a:rPr lang="vi-VN" dirty="0" smtClean="0"/>
-              <a:t>	Flag (session, file,...) kiểm tra tiến trình.</a:t>
-            </a:r>
-          </a:p>
-        </p:txBody>
-      </p:sp>
-      <p:sp>
-        <p:nvSpPr>
-          <p:cNvPr id="9" name="TextBox 8"/>
-          <p:cNvSpPr txBox="1"/>
-          <p:nvPr/>
-        </p:nvSpPr>
-        <p:spPr>
-          <a:xfrm>
-            <a:off x="709708" y="5537060"/>
-            <a:ext cx="7087273" cy="923330"/>
-          </a:xfrm>
-          <a:prstGeom prst="rect">
-            <a:avLst/>
-          </a:prstGeom>
-          <a:noFill/>
-        </p:spPr>
-        <p:txBody>
-          <a:bodyPr wrap="square" rtlCol="0">
-            <a:spAutoFit/>
-          </a:bodyPr>
-          <a:lstStyle/>
-          <a:p>
-            <a:r>
-              <a:rPr lang="vi-VN" dirty="0" smtClean="0"/>
-              <a:t>    Đợi hoàn thành tiến trình con mới tiến hành dừng process.</a:t>
-            </a:r>
-          </a:p>
-          <a:p>
-            <a:r>
-              <a:rPr lang="vi-VN" dirty="0"/>
-              <a:t> </a:t>
-            </a:r>
-            <a:r>
-              <a:rPr lang="vi-VN" dirty="0" smtClean="0"/>
-              <a:t>   Trước mỗi action, check flag đã được bật hay không, nếu có, dừng tiến trình, commit database và response về cho client.</a:t>
-            </a:r>
-          </a:p>
-        </p:txBody>
-      </p:sp>
-      <p:sp>
-        <p:nvSpPr>
-          <p:cNvPr id="12" name="Right Arrow 11"/>
-          <p:cNvSpPr/>
-          <p:nvPr/>
-        </p:nvSpPr>
-        <p:spPr>
-          <a:xfrm>
-            <a:off x="429880" y="5603397"/>
-            <a:ext cx="381001" cy="224135"/>
-          </a:xfrm>
-          <a:prstGeom prst="rightArrow">
-            <a:avLst/>
-          </a:prstGeom>
-        </p:spPr>
-        <p:style>
-          <a:lnRef idx="2">
-            <a:schemeClr val="accent1">
-              <a:shade val="50000"/>
-            </a:schemeClr>
-          </a:lnRef>
-          <a:fillRef idx="1">
-            <a:schemeClr val="accent1"/>
-          </a:fillRef>
-          <a:effectRef idx="0">
-            <a:schemeClr val="accent1"/>
-          </a:effectRef>
-          <a:fontRef idx="minor">
-            <a:schemeClr val="lt1"/>
-          </a:fontRef>
-        </p:style>
-        <p:txBody>
-          <a:bodyPr rtlCol="0" anchor="ctr"/>
-          <a:lstStyle/>
-          <a:p>
-            <a:pPr algn="ctr"/>
-            <a:endParaRPr lang="vi-VN"/>
-          </a:p>
-        </p:txBody>
-      </p:sp>
-      <p:sp>
-        <p:nvSpPr>
-          <p:cNvPr id="13" name="Plus 12"/>
-          <p:cNvSpPr/>
-          <p:nvPr/>
-        </p:nvSpPr>
-        <p:spPr>
-          <a:xfrm>
-            <a:off x="1446721" y="4565490"/>
-            <a:ext cx="190501" cy="230110"/>
-          </a:xfrm>
-          <a:prstGeom prst="mathPlus">
-            <a:avLst/>
-          </a:prstGeom>
-        </p:spPr>
-        <p:style>
-          <a:lnRef idx="2">
-            <a:schemeClr val="accent1">
-              <a:shade val="50000"/>
-            </a:schemeClr>
-          </a:lnRef>
-          <a:fillRef idx="1">
-            <a:schemeClr val="accent1"/>
-          </a:fillRef>
-          <a:effectRef idx="0">
-            <a:schemeClr val="accent1"/>
-          </a:effectRef>
-          <a:fontRef idx="minor">
-            <a:schemeClr val="lt1"/>
-          </a:fontRef>
-        </p:style>
-        <p:txBody>
-          <a:bodyPr rtlCol="0" anchor="ctr"/>
-          <a:lstStyle/>
-          <a:p>
-            <a:pPr algn="ctr"/>
-            <a:endParaRPr lang="vi-VN"/>
-          </a:p>
-        </p:txBody>
-      </p:sp>
-      <p:sp>
-        <p:nvSpPr>
-          <p:cNvPr id="14" name="Plus 13"/>
-          <p:cNvSpPr/>
-          <p:nvPr/>
-        </p:nvSpPr>
-        <p:spPr>
-          <a:xfrm>
-            <a:off x="1453186" y="4885852"/>
-            <a:ext cx="190501" cy="230110"/>
-          </a:xfrm>
-          <a:prstGeom prst="mathPlus">
-            <a:avLst/>
-          </a:prstGeom>
-        </p:spPr>
-        <p:style>
-          <a:lnRef idx="2">
-            <a:schemeClr val="accent1">
-              <a:shade val="50000"/>
-            </a:schemeClr>
-          </a:lnRef>
-          <a:fillRef idx="1">
-            <a:schemeClr val="accent1"/>
-          </a:fillRef>
-          <a:effectRef idx="0">
-            <a:schemeClr val="accent1"/>
-          </a:effectRef>
-          <a:fontRef idx="minor">
-            <a:schemeClr val="lt1"/>
-          </a:fontRef>
-        </p:style>
-        <p:txBody>
-          <a:bodyPr rtlCol="0" anchor="ctr"/>
-          <a:lstStyle/>
-          <a:p>
-            <a:pPr algn="ctr"/>
-            <a:endParaRPr lang="vi-VN"/>
-          </a:p>
-        </p:txBody>
-      </p:sp>
-      <p:sp>
-        <p:nvSpPr>
-          <p:cNvPr id="15" name="TextBox 14"/>
-          <p:cNvSpPr txBox="1"/>
-          <p:nvPr/>
-        </p:nvSpPr>
-        <p:spPr>
-          <a:xfrm>
-            <a:off x="763436" y="4816241"/>
-            <a:ext cx="6629400" cy="369332"/>
-          </a:xfrm>
-          <a:prstGeom prst="rect">
-            <a:avLst/>
-          </a:prstGeom>
-          <a:noFill/>
-        </p:spPr>
-        <p:txBody>
-          <a:bodyPr wrap="square" rtlCol="0">
-            <a:spAutoFit/>
-          </a:bodyPr>
-          <a:lstStyle/>
-          <a:p>
-            <a:r>
-              <a:rPr lang="vi-VN" dirty="0" smtClean="0"/>
-              <a:t>	Transaction commit database.</a:t>
-            </a:r>
-          </a:p>
-        </p:txBody>
-      </p:sp>
-    </p:spTree>
-    <p:extLst>
-      <p:ext uri="{BB962C8B-B14F-4D97-AF65-F5344CB8AC3E}">
-        <p14:creationId xmlns:p14="http://schemas.microsoft.com/office/powerpoint/2010/main" val="789772426"/>
       </p:ext>
     </p:extLst>
   </p:cSld>
@@ -18518,7 +19405,7 @@
   </a:extraClrSchemeLst>
   <a:extLst>
     <a:ext uri="{05A4C25C-085E-4340-85A3-A5531E510DB2}">
-      <thm15:themeFamily xmlns:thm15="http://schemas.microsoft.com/office/thememl/2012/main" xmlns="" name="Presentation1" id="{B970919C-7AB9-8C43-AD58-986FD44D887A}" vid="{B1AB6F10-A669-8D48-86F2-19B449410D6D}"/>
+      <thm15:themeFamily xmlns="" xmlns:thm15="http://schemas.microsoft.com/office/thememl/2012/main" name="Presentation1" id="{B970919C-7AB9-8C43-AD58-986FD44D887A}" vid="{B1AB6F10-A669-8D48-86F2-19B449410D6D}"/>
     </a:ext>
   </a:extLst>
 </a:theme>
@@ -19241,7 +20128,7 @@
   </a:extraClrSchemeLst>
   <a:extLst>
     <a:ext uri="{05A4C25C-085E-4340-85A3-A5531E510DB2}">
-      <thm15:themeFamily xmlns:thm15="http://schemas.microsoft.com/office/thememl/2012/main" xmlns="" name="Presentation1" id="{B970919C-7AB9-8C43-AD58-986FD44D887A}" vid="{B1AB6F10-A669-8D48-86F2-19B449410D6D}"/>
+      <thm15:themeFamily xmlns="" xmlns:thm15="http://schemas.microsoft.com/office/thememl/2012/main" name="Presentation1" id="{B970919C-7AB9-8C43-AD58-986FD44D887A}" vid="{B1AB6F10-A669-8D48-86F2-19B449410D6D}"/>
     </a:ext>
   </a:extLst>
 </a:theme>
@@ -19964,7 +20851,7 @@
   </a:extraClrSchemeLst>
   <a:extLst>
     <a:ext uri="{05A4C25C-085E-4340-85A3-A5531E510DB2}">
-      <thm15:themeFamily xmlns:thm15="http://schemas.microsoft.com/office/thememl/2012/main" xmlns="" name="Presentation1" id="{B970919C-7AB9-8C43-AD58-986FD44D887A}" vid="{B1AB6F10-A669-8D48-86F2-19B449410D6D}"/>
+      <thm15:themeFamily xmlns="" xmlns:thm15="http://schemas.microsoft.com/office/thememl/2012/main" name="Presentation1" id="{B970919C-7AB9-8C43-AD58-986FD44D887A}" vid="{B1AB6F10-A669-8D48-86F2-19B449410D6D}"/>
     </a:ext>
   </a:extLst>
 </a:theme>

--- a/Tài liệu tổng hợp/Docker/Quản lý tiến trình.pptx
+++ b/Tài liệu tổng hợp/Docker/Quản lý tiến trình.pptx
@@ -582,6 +582,397 @@
 </p:notes>
 </file>
 
+<file path=ppt/notesSlides/notesSlide10.xml><?xml version="1.0" encoding="utf-8"?>
+<p:notes xmlns:a="http://schemas.openxmlformats.org/drawingml/2006/main" xmlns:r="http://schemas.openxmlformats.org/officeDocument/2006/relationships" xmlns:p="http://schemas.openxmlformats.org/presentationml/2006/main">
+  <p:cSld>
+    <p:spTree>
+      <p:nvGrpSpPr>
+        <p:cNvPr id="1" name=""/>
+        <p:cNvGrpSpPr/>
+        <p:nvPr/>
+      </p:nvGrpSpPr>
+      <p:grpSpPr>
+        <a:xfrm>
+          <a:off x="0" y="0"/>
+          <a:ext cx="0" cy="0"/>
+          <a:chOff x="0" y="0"/>
+          <a:chExt cx="0" cy="0"/>
+        </a:xfrm>
+      </p:grpSpPr>
+      <p:sp>
+        <p:nvSpPr>
+          <p:cNvPr id="2" name="Slide Image Placeholder 1"/>
+          <p:cNvSpPr>
+            <a:spLocks noGrp="1" noRot="1" noChangeAspect="1"/>
+          </p:cNvSpPr>
+          <p:nvPr>
+            <p:ph type="sldImg"/>
+          </p:nvPr>
+        </p:nvSpPr>
+        <p:spPr/>
+      </p:sp>
+      <p:sp>
+        <p:nvSpPr>
+          <p:cNvPr id="3" name="Notes Placeholder 2"/>
+          <p:cNvSpPr>
+            <a:spLocks noGrp="1"/>
+          </p:cNvSpPr>
+          <p:nvPr>
+            <p:ph type="body" idx="1"/>
+          </p:nvPr>
+        </p:nvSpPr>
+        <p:spPr/>
+        <p:txBody>
+          <a:bodyPr/>
+          <a:lstStyle/>
+          <a:p>
+            <a:r>
+              <a:rPr lang="vi-VN" dirty="0" smtClean="0"/>
+              <a:t>Khi gọi</a:t>
+            </a:r>
+            <a:r>
+              <a:rPr lang="vi-VN" baseline="0" dirty="0" smtClean="0"/>
+              <a:t> api check process, response trả về với thông tin sau:</a:t>
+            </a:r>
+          </a:p>
+          <a:p>
+            <a:r>
+              <a:rPr lang="vi-VN" baseline="0" dirty="0" smtClean="0"/>
+              <a:t>+ process vẫn còn đang chạy</a:t>
+            </a:r>
+          </a:p>
+          <a:p>
+            <a:r>
+              <a:rPr lang="vi-VN" baseline="0" dirty="0" smtClean="0"/>
+              <a:t>+ không cùng 1 user =&gt; không thể dừng tiến trình</a:t>
+            </a:r>
+          </a:p>
+        </p:txBody>
+      </p:sp>
+      <p:sp>
+        <p:nvSpPr>
+          <p:cNvPr id="4" name="Slide Number Placeholder 3"/>
+          <p:cNvSpPr>
+            <a:spLocks noGrp="1"/>
+          </p:cNvSpPr>
+          <p:nvPr>
+            <p:ph type="sldNum" sz="quarter" idx="10"/>
+          </p:nvPr>
+        </p:nvSpPr>
+        <p:spPr/>
+        <p:txBody>
+          <a:bodyPr/>
+          <a:lstStyle/>
+          <a:p>
+            <a:fld id="{B7DC25CC-FB07-4185-8561-3DFD47A87278}" type="slidenum">
+              <a:rPr lang="vi-VN" smtClean="0"/>
+              <a:t>12</a:t>
+            </a:fld>
+            <a:endParaRPr lang="vi-VN"/>
+          </a:p>
+        </p:txBody>
+      </p:sp>
+    </p:spTree>
+    <p:extLst>
+      <p:ext uri="{BB962C8B-B14F-4D97-AF65-F5344CB8AC3E}">
+        <p14:creationId xmlns:p14="http://schemas.microsoft.com/office/powerpoint/2010/main" val="1484052360"/>
+      </p:ext>
+    </p:extLst>
+  </p:cSld>
+  <p:clrMapOvr>
+    <a:masterClrMapping/>
+  </p:clrMapOvr>
+</p:notes>
+</file>
+
+<file path=ppt/notesSlides/notesSlide11.xml><?xml version="1.0" encoding="utf-8"?>
+<p:notes xmlns:a="http://schemas.openxmlformats.org/drawingml/2006/main" xmlns:r="http://schemas.openxmlformats.org/officeDocument/2006/relationships" xmlns:p="http://schemas.openxmlformats.org/presentationml/2006/main">
+  <p:cSld>
+    <p:spTree>
+      <p:nvGrpSpPr>
+        <p:cNvPr id="1" name=""/>
+        <p:cNvGrpSpPr/>
+        <p:nvPr/>
+      </p:nvGrpSpPr>
+      <p:grpSpPr>
+        <a:xfrm>
+          <a:off x="0" y="0"/>
+          <a:ext cx="0" cy="0"/>
+          <a:chOff x="0" y="0"/>
+          <a:chExt cx="0" cy="0"/>
+        </a:xfrm>
+      </p:grpSpPr>
+      <p:sp>
+        <p:nvSpPr>
+          <p:cNvPr id="2" name="Slide Image Placeholder 1"/>
+          <p:cNvSpPr>
+            <a:spLocks noGrp="1" noRot="1" noChangeAspect="1"/>
+          </p:cNvSpPr>
+          <p:nvPr>
+            <p:ph type="sldImg"/>
+          </p:nvPr>
+        </p:nvSpPr>
+        <p:spPr/>
+      </p:sp>
+      <p:sp>
+        <p:nvSpPr>
+          <p:cNvPr id="3" name="Notes Placeholder 2"/>
+          <p:cNvSpPr>
+            <a:spLocks noGrp="1"/>
+          </p:cNvSpPr>
+          <p:nvPr>
+            <p:ph type="body" idx="1"/>
+          </p:nvPr>
+        </p:nvSpPr>
+        <p:spPr/>
+        <p:txBody>
+          <a:bodyPr/>
+          <a:lstStyle/>
+          <a:p>
+            <a:r>
+              <a:rPr lang="vi-VN" dirty="0" smtClean="0"/>
+              <a:t>Khi dừng</a:t>
+            </a:r>
+            <a:r>
+              <a:rPr lang="vi-VN" baseline="0" dirty="0" smtClean="0"/>
+              <a:t> tiến trình, để đảm bảo toàn vẹn dữ liệu, hệ thống sẽ chỉ dừng ở function chính, các function con bên trong vẫn chạy hết.</a:t>
+            </a:r>
+            <a:endParaRPr lang="vi-VN" dirty="0"/>
+          </a:p>
+        </p:txBody>
+      </p:sp>
+      <p:sp>
+        <p:nvSpPr>
+          <p:cNvPr id="4" name="Slide Number Placeholder 3"/>
+          <p:cNvSpPr>
+            <a:spLocks noGrp="1"/>
+          </p:cNvSpPr>
+          <p:nvPr>
+            <p:ph type="sldNum" sz="quarter" idx="10"/>
+          </p:nvPr>
+        </p:nvSpPr>
+        <p:spPr/>
+        <p:txBody>
+          <a:bodyPr/>
+          <a:lstStyle/>
+          <a:p>
+            <a:fld id="{B7DC25CC-FB07-4185-8561-3DFD47A87278}" type="slidenum">
+              <a:rPr lang="vi-VN" smtClean="0"/>
+              <a:t>13</a:t>
+            </a:fld>
+            <a:endParaRPr lang="vi-VN"/>
+          </a:p>
+        </p:txBody>
+      </p:sp>
+    </p:spTree>
+    <p:extLst>
+      <p:ext uri="{BB962C8B-B14F-4D97-AF65-F5344CB8AC3E}">
+        <p14:creationId xmlns:p14="http://schemas.microsoft.com/office/powerpoint/2010/main" val="925359971"/>
+      </p:ext>
+    </p:extLst>
+  </p:cSld>
+  <p:clrMapOvr>
+    <a:masterClrMapping/>
+  </p:clrMapOvr>
+</p:notes>
+</file>
+
+<file path=ppt/notesSlides/notesSlide12.xml><?xml version="1.0" encoding="utf-8"?>
+<p:notes xmlns:a="http://schemas.openxmlformats.org/drawingml/2006/main" xmlns:r="http://schemas.openxmlformats.org/officeDocument/2006/relationships" xmlns:p="http://schemas.openxmlformats.org/presentationml/2006/main">
+  <p:cSld>
+    <p:spTree>
+      <p:nvGrpSpPr>
+        <p:cNvPr id="1" name=""/>
+        <p:cNvGrpSpPr/>
+        <p:nvPr/>
+      </p:nvGrpSpPr>
+      <p:grpSpPr>
+        <a:xfrm>
+          <a:off x="0" y="0"/>
+          <a:ext cx="0" cy="0"/>
+          <a:chOff x="0" y="0"/>
+          <a:chExt cx="0" cy="0"/>
+        </a:xfrm>
+      </p:grpSpPr>
+      <p:sp>
+        <p:nvSpPr>
+          <p:cNvPr id="2" name="Slide Image Placeholder 1"/>
+          <p:cNvSpPr>
+            <a:spLocks noGrp="1" noRot="1" noChangeAspect="1"/>
+          </p:cNvSpPr>
+          <p:nvPr>
+            <p:ph type="sldImg"/>
+          </p:nvPr>
+        </p:nvSpPr>
+        <p:spPr/>
+      </p:sp>
+      <p:sp>
+        <p:nvSpPr>
+          <p:cNvPr id="3" name="Notes Placeholder 2"/>
+          <p:cNvSpPr>
+            <a:spLocks noGrp="1"/>
+          </p:cNvSpPr>
+          <p:nvPr>
+            <p:ph type="body" idx="1"/>
+          </p:nvPr>
+        </p:nvSpPr>
+        <p:spPr/>
+        <p:txBody>
+          <a:bodyPr/>
+          <a:lstStyle/>
+          <a:p>
+            <a:r>
+              <a:rPr lang="vi-VN" dirty="0" smtClean="0"/>
+              <a:t>Khi kill, api dừng</a:t>
+            </a:r>
+            <a:r>
+              <a:rPr lang="vi-VN" baseline="0" dirty="0" smtClean="0"/>
+              <a:t> ngay lập tức, api kill sẽ tiến hành revert toàn bộ dữ liệu để đảm bảo toàn vẹn data.</a:t>
+            </a:r>
+            <a:endParaRPr lang="vi-VN" dirty="0"/>
+          </a:p>
+        </p:txBody>
+      </p:sp>
+      <p:sp>
+        <p:nvSpPr>
+          <p:cNvPr id="4" name="Slide Number Placeholder 3"/>
+          <p:cNvSpPr>
+            <a:spLocks noGrp="1"/>
+          </p:cNvSpPr>
+          <p:nvPr>
+            <p:ph type="sldNum" sz="quarter" idx="10"/>
+          </p:nvPr>
+        </p:nvSpPr>
+        <p:spPr/>
+        <p:txBody>
+          <a:bodyPr/>
+          <a:lstStyle/>
+          <a:p>
+            <a:fld id="{B7DC25CC-FB07-4185-8561-3DFD47A87278}" type="slidenum">
+              <a:rPr lang="vi-VN" smtClean="0"/>
+              <a:t>14</a:t>
+            </a:fld>
+            <a:endParaRPr lang="vi-VN"/>
+          </a:p>
+        </p:txBody>
+      </p:sp>
+    </p:spTree>
+    <p:extLst>
+      <p:ext uri="{BB962C8B-B14F-4D97-AF65-F5344CB8AC3E}">
+        <p14:creationId xmlns:p14="http://schemas.microsoft.com/office/powerpoint/2010/main" val="3039468343"/>
+      </p:ext>
+    </p:extLst>
+  </p:cSld>
+  <p:clrMapOvr>
+    <a:masterClrMapping/>
+  </p:clrMapOvr>
+</p:notes>
+</file>
+
+<file path=ppt/notesSlides/notesSlide13.xml><?xml version="1.0" encoding="utf-8"?>
+<p:notes xmlns:a="http://schemas.openxmlformats.org/drawingml/2006/main" xmlns:r="http://schemas.openxmlformats.org/officeDocument/2006/relationships" xmlns:p="http://schemas.openxmlformats.org/presentationml/2006/main">
+  <p:cSld>
+    <p:spTree>
+      <p:nvGrpSpPr>
+        <p:cNvPr id="1" name=""/>
+        <p:cNvGrpSpPr/>
+        <p:nvPr/>
+      </p:nvGrpSpPr>
+      <p:grpSpPr>
+        <a:xfrm>
+          <a:off x="0" y="0"/>
+          <a:ext cx="0" cy="0"/>
+          <a:chOff x="0" y="0"/>
+          <a:chExt cx="0" cy="0"/>
+        </a:xfrm>
+      </p:grpSpPr>
+      <p:sp>
+        <p:nvSpPr>
+          <p:cNvPr id="2" name="Slide Image Placeholder 1"/>
+          <p:cNvSpPr>
+            <a:spLocks noGrp="1" noRot="1" noChangeAspect="1"/>
+          </p:cNvSpPr>
+          <p:nvPr>
+            <p:ph type="sldImg"/>
+          </p:nvPr>
+        </p:nvSpPr>
+        <p:spPr/>
+      </p:sp>
+      <p:sp>
+        <p:nvSpPr>
+          <p:cNvPr id="3" name="Notes Placeholder 2"/>
+          <p:cNvSpPr>
+            <a:spLocks noGrp="1"/>
+          </p:cNvSpPr>
+          <p:nvPr>
+            <p:ph type="body" idx="1"/>
+          </p:nvPr>
+        </p:nvSpPr>
+        <p:spPr/>
+        <p:txBody>
+          <a:bodyPr/>
+          <a:lstStyle/>
+          <a:p>
+            <a:r>
+              <a:rPr lang="vi-VN" dirty="0" smtClean="0"/>
+              <a:t>Lưu</a:t>
+            </a:r>
+            <a:r>
+              <a:rPr lang="vi-VN" baseline="0" dirty="0" smtClean="0"/>
+              <a:t> ý: khi kill khi upload file sẽ bao gồm 2 quá trình:</a:t>
+            </a:r>
+          </a:p>
+          <a:p>
+            <a:r>
+              <a:rPr lang="vi-VN" baseline="0" dirty="0" smtClean="0"/>
+              <a:t>+ quá trình file di chuyển từ browser lên server</a:t>
+            </a:r>
+          </a:p>
+          <a:p>
+            <a:r>
+              <a:rPr lang="vi-VN" baseline="0" dirty="0" smtClean="0"/>
+              <a:t>+ quá trình server tiếp nhận được request</a:t>
+            </a:r>
+            <a:endParaRPr lang="vi-VN" dirty="0"/>
+          </a:p>
+        </p:txBody>
+      </p:sp>
+      <p:sp>
+        <p:nvSpPr>
+          <p:cNvPr id="4" name="Slide Number Placeholder 3"/>
+          <p:cNvSpPr>
+            <a:spLocks noGrp="1"/>
+          </p:cNvSpPr>
+          <p:nvPr>
+            <p:ph type="sldNum" sz="quarter" idx="10"/>
+          </p:nvPr>
+        </p:nvSpPr>
+        <p:spPr/>
+        <p:txBody>
+          <a:bodyPr/>
+          <a:lstStyle/>
+          <a:p>
+            <a:fld id="{B7DC25CC-FB07-4185-8561-3DFD47A87278}" type="slidenum">
+              <a:rPr lang="vi-VN" smtClean="0"/>
+              <a:t>15</a:t>
+            </a:fld>
+            <a:endParaRPr lang="vi-VN"/>
+          </a:p>
+        </p:txBody>
+      </p:sp>
+    </p:spTree>
+    <p:extLst>
+      <p:ext uri="{BB962C8B-B14F-4D97-AF65-F5344CB8AC3E}">
+        <p14:creationId xmlns:p14="http://schemas.microsoft.com/office/powerpoint/2010/main" val="2348165060"/>
+      </p:ext>
+    </p:extLst>
+  </p:cSld>
+  <p:clrMapOvr>
+    <a:masterClrMapping/>
+  </p:clrMapOvr>
+</p:notes>
+</file>
+
 <file path=ppt/notesSlides/notesSlide2.xml><?xml version="1.0" encoding="utf-8"?>
 <p:notes xmlns:a="http://schemas.openxmlformats.org/drawingml/2006/main" xmlns:r="http://schemas.openxmlformats.org/officeDocument/2006/relationships" xmlns:p="http://schemas.openxmlformats.org/presentationml/2006/main">
   <p:cSld>
@@ -812,13 +1203,29 @@
           <a:p>
             <a:r>
               <a:rPr lang="vi-VN" dirty="0" smtClean="0"/>
-              <a:t>+ Chờ (waiting) : tiến trình bị Hệ Điều Hành tước quyền xử lý CPU, và chờ đến lược cấp phát khác. </a:t>
-            </a:r>
-          </a:p>
-          <a:p>
+              <a:t>+ Chờ (waiting) : tiến trình bị </a:t>
+            </a:r>
             <a:r>
               <a:rPr lang="vi-VN" dirty="0" smtClean="0"/>
-              <a:t>+ Tạm dừng (suspend) : Hệ Điều Hành tạm dừng tiến trình. Tiến trình được đưa vào trạng thái ngủ (sleep). Khi cần thiết và có nhu cầu, Hệ Điều Hành sẽ đánh thức (wake up) hay nạp lại mã lệnh của tiến trình vào bộ nhớ. Cấp phát tài nguyên CPU để tiến trình tiếp tục hoạt động.</a:t>
+              <a:t>HDH tước </a:t>
+            </a:r>
+            <a:r>
+              <a:rPr lang="vi-VN" dirty="0" smtClean="0"/>
+              <a:t>quyền xử lý CPU, và chờ đến lược cấp phát khác. </a:t>
+            </a:r>
+          </a:p>
+          <a:p>
+            <a:r>
+              <a:rPr lang="vi-VN" dirty="0" smtClean="0"/>
+              <a:t>+ Tạm dừng (suspend) : </a:t>
+            </a:r>
+            <a:r>
+              <a:rPr lang="vi-VN" dirty="0" smtClean="0"/>
+              <a:t>HDH tạm </a:t>
+            </a:r>
+            <a:r>
+              <a:rPr lang="vi-VN" dirty="0" smtClean="0"/>
+              <a:t>dừng tiến trình. Tiến trình được đưa vào trạng thái ngủ (sleep). Khi cần thiết và có nhu cầu, Hệ Điều Hành sẽ đánh thức (wake up) hay nạp lại mã lệnh của tiến trình vào bộ nhớ. Cấp phát tài nguyên CPU để tiến trình tiếp tục hoạt động.</a:t>
             </a:r>
           </a:p>
           <a:p>
@@ -1291,6 +1698,24 @@
           <a:bodyPr/>
           <a:lstStyle/>
           <a:p>
+            <a:r>
+              <a:rPr lang="vi-VN" dirty="0" smtClean="0"/>
+              <a:t>Mỗi 1 process khi run sẽ chạy trên 1 cổng có pid.</a:t>
+            </a:r>
+          </a:p>
+          <a:p>
+            <a:r>
+              <a:rPr lang="vi-VN" dirty="0" smtClean="0"/>
+              <a:t>Khi api gọi, truyền tên api cần check, sẽ get được pid được lưu trước đó vd listName.pid</a:t>
+            </a:r>
+          </a:p>
+          <a:p>
+            <a:r>
+              <a:rPr lang="vi-VN" dirty="0" smtClean="0"/>
+              <a:t>Khi process kết thúc, 1 pid mới sẽ được khởi tạo thay thế.</a:t>
+            </a:r>
+          </a:p>
+          <a:p>
             <a:endParaRPr lang="vi-VN" dirty="0"/>
           </a:p>
         </p:txBody>
@@ -1322,6 +1747,499 @@
     <p:extLst>
       <p:ext uri="{BB962C8B-B14F-4D97-AF65-F5344CB8AC3E}">
         <p14:creationId xmlns:p14="http://schemas.microsoft.com/office/powerpoint/2010/main" val="3509938142"/>
+      </p:ext>
+    </p:extLst>
+  </p:cSld>
+  <p:clrMapOvr>
+    <a:masterClrMapping/>
+  </p:clrMapOvr>
+</p:notes>
+</file>
+
+<file path=ppt/notesSlides/notesSlide6.xml><?xml version="1.0" encoding="utf-8"?>
+<p:notes xmlns:a="http://schemas.openxmlformats.org/drawingml/2006/main" xmlns:r="http://schemas.openxmlformats.org/officeDocument/2006/relationships" xmlns:p="http://schemas.openxmlformats.org/presentationml/2006/main">
+  <p:cSld>
+    <p:spTree>
+      <p:nvGrpSpPr>
+        <p:cNvPr id="1" name=""/>
+        <p:cNvGrpSpPr/>
+        <p:nvPr/>
+      </p:nvGrpSpPr>
+      <p:grpSpPr>
+        <a:xfrm>
+          <a:off x="0" y="0"/>
+          <a:ext cx="0" cy="0"/>
+          <a:chOff x="0" y="0"/>
+          <a:chExt cx="0" cy="0"/>
+        </a:xfrm>
+      </p:grpSpPr>
+      <p:sp>
+        <p:nvSpPr>
+          <p:cNvPr id="2" name="Slide Image Placeholder 1"/>
+          <p:cNvSpPr>
+            <a:spLocks noGrp="1" noRot="1" noChangeAspect="1"/>
+          </p:cNvSpPr>
+          <p:nvPr>
+            <p:ph type="sldImg"/>
+          </p:nvPr>
+        </p:nvSpPr>
+        <p:spPr/>
+      </p:sp>
+      <p:sp>
+        <p:nvSpPr>
+          <p:cNvPr id="3" name="Notes Placeholder 2"/>
+          <p:cNvSpPr>
+            <a:spLocks noGrp="1"/>
+          </p:cNvSpPr>
+          <p:nvPr>
+            <p:ph type="body" idx="1"/>
+          </p:nvPr>
+        </p:nvSpPr>
+        <p:spPr/>
+        <p:txBody>
+          <a:bodyPr/>
+          <a:lstStyle/>
+          <a:p>
+            <a:r>
+              <a:rPr lang="vi-VN" dirty="0" smtClean="0"/>
+              <a:t>Ta có 2 phương pháp để tiến hành chạy ngầm 1 process</a:t>
+            </a:r>
+            <a:endParaRPr lang="en-US" dirty="0" smtClean="0"/>
+          </a:p>
+          <a:p>
+            <a:r>
+              <a:rPr lang="vi-VN" dirty="0" smtClean="0"/>
+              <a:t>+ Dùng hàm exec</a:t>
+            </a:r>
+          </a:p>
+          <a:p>
+            <a:r>
+              <a:rPr lang="vi-VN" dirty="0" smtClean="0"/>
+              <a:t>Trước khi response về cho user, ta sẽ gọi đến function (batch) cần chạy, đồng thềm ở hàm đó sẽ import thêm đoạn code sau:</a:t>
+            </a:r>
+          </a:p>
+          <a:p>
+            <a:r>
+              <a:rPr lang="vi-VN" dirty="0" smtClean="0"/>
+              <a:t>&gt; /dev/null 2&gt;/dev/null &amp;</a:t>
+            </a:r>
+          </a:p>
+          <a:p>
+            <a:r>
+              <a:rPr lang="vi-VN" dirty="0" smtClean="0"/>
+              <a:t>Khi đó server sẽ tạo 1 flow pid mới để xử lý request trên.</a:t>
+            </a:r>
+            <a:endParaRPr lang="vi-VN" dirty="0"/>
+          </a:p>
+        </p:txBody>
+      </p:sp>
+      <p:sp>
+        <p:nvSpPr>
+          <p:cNvPr id="4" name="Slide Number Placeholder 3"/>
+          <p:cNvSpPr>
+            <a:spLocks noGrp="1"/>
+          </p:cNvSpPr>
+          <p:nvPr>
+            <p:ph type="sldNum" sz="quarter" idx="10"/>
+          </p:nvPr>
+        </p:nvSpPr>
+        <p:spPr/>
+        <p:txBody>
+          <a:bodyPr/>
+          <a:lstStyle/>
+          <a:p>
+            <a:fld id="{B7DC25CC-FB07-4185-8561-3DFD47A87278}" type="slidenum">
+              <a:rPr lang="vi-VN" smtClean="0"/>
+              <a:t>8</a:t>
+            </a:fld>
+            <a:endParaRPr lang="vi-VN"/>
+          </a:p>
+        </p:txBody>
+      </p:sp>
+    </p:spTree>
+    <p:extLst>
+      <p:ext uri="{BB962C8B-B14F-4D97-AF65-F5344CB8AC3E}">
+        <p14:creationId xmlns:p14="http://schemas.microsoft.com/office/powerpoint/2010/main" val="1312674687"/>
+      </p:ext>
+    </p:extLst>
+  </p:cSld>
+  <p:clrMapOvr>
+    <a:masterClrMapping/>
+  </p:clrMapOvr>
+</p:notes>
+</file>
+
+<file path=ppt/notesSlides/notesSlide7.xml><?xml version="1.0" encoding="utf-8"?>
+<p:notes xmlns:a="http://schemas.openxmlformats.org/drawingml/2006/main" xmlns:r="http://schemas.openxmlformats.org/officeDocument/2006/relationships" xmlns:p="http://schemas.openxmlformats.org/presentationml/2006/main">
+  <p:cSld>
+    <p:spTree>
+      <p:nvGrpSpPr>
+        <p:cNvPr id="1" name=""/>
+        <p:cNvGrpSpPr/>
+        <p:nvPr/>
+      </p:nvGrpSpPr>
+      <p:grpSpPr>
+        <a:xfrm>
+          <a:off x="0" y="0"/>
+          <a:ext cx="0" cy="0"/>
+          <a:chOff x="0" y="0"/>
+          <a:chExt cx="0" cy="0"/>
+        </a:xfrm>
+      </p:grpSpPr>
+      <p:sp>
+        <p:nvSpPr>
+          <p:cNvPr id="2" name="Slide Image Placeholder 1"/>
+          <p:cNvSpPr>
+            <a:spLocks noGrp="1" noRot="1" noChangeAspect="1"/>
+          </p:cNvSpPr>
+          <p:nvPr>
+            <p:ph type="sldImg"/>
+          </p:nvPr>
+        </p:nvSpPr>
+        <p:spPr/>
+      </p:sp>
+      <p:sp>
+        <p:nvSpPr>
+          <p:cNvPr id="3" name="Notes Placeholder 2"/>
+          <p:cNvSpPr>
+            <a:spLocks noGrp="1"/>
+          </p:cNvSpPr>
+          <p:nvPr>
+            <p:ph type="body" idx="1"/>
+          </p:nvPr>
+        </p:nvSpPr>
+        <p:spPr/>
+        <p:txBody>
+          <a:bodyPr/>
+          <a:lstStyle/>
+          <a:p>
+            <a:r>
+              <a:rPr lang="vi-VN" dirty="0" smtClean="0"/>
+              <a:t>C2: Dùng function terminate trong middleware</a:t>
+            </a:r>
+          </a:p>
+          <a:p>
+            <a:r>
+              <a:rPr lang="vi-VN" dirty="0" smtClean="0"/>
+              <a:t>Hàm này có chức năng như sau: khi response đã được trả về cho user, request sẽ chạy vào hàm này, thực thi hết các action trong này thì mới kết thúc. </a:t>
+            </a:r>
+          </a:p>
+          <a:p>
+            <a:r>
+              <a:rPr lang="vi-VN" dirty="0" smtClean="0"/>
+              <a:t>Ở function này, ta có</a:t>
+            </a:r>
+            <a:r>
+              <a:rPr lang="vi-VN" baseline="0" dirty="0" smtClean="0"/>
+              <a:t> thể </a:t>
+            </a:r>
+          </a:p>
+          <a:p>
+            <a:r>
+              <a:rPr lang="vi-VN" baseline="0" dirty="0" smtClean="0"/>
+              <a:t>+ add action xử lý sau khi response.</a:t>
+            </a:r>
+          </a:p>
+          <a:p>
+            <a:r>
+              <a:rPr lang="vi-VN" baseline="0" dirty="0" smtClean="0"/>
+              <a:t>+ gọi </a:t>
+            </a:r>
+            <a:r>
+              <a:rPr lang="vi-VN" dirty="0" smtClean="0"/>
+              <a:t>execute đến cùng</a:t>
+            </a:r>
+            <a:r>
+              <a:rPr lang="vi-VN" baseline="0" dirty="0" smtClean="0"/>
+              <a:t> chính action này</a:t>
+            </a:r>
+            <a:r>
+              <a:rPr lang="vi-VN" dirty="0" smtClean="0"/>
+              <a:t>, với params và header được set như chính request này.</a:t>
+            </a:r>
+          </a:p>
+          <a:p>
+            <a:r>
+              <a:rPr lang="vi-VN" dirty="0" smtClean="0"/>
+              <a:t>Lưu ý: </a:t>
+            </a:r>
+          </a:p>
+          <a:p>
+            <a:r>
+              <a:rPr lang="vi-VN" dirty="0" smtClean="0"/>
+              <a:t>+ Đối với request có string, params lớn nên lưu vào file hơn là chuỗi string để tránh mất data</a:t>
+            </a:r>
+          </a:p>
+          <a:p>
+            <a:r>
+              <a:rPr lang="vi-VN" dirty="0" smtClean="0"/>
+              <a:t>+ Với request submit file, khi gọi 1 request mới, có thể dùng hàm UploadedFile để lấy data từ folder tmp được up lên từ function trước đó, tạo thành</a:t>
+            </a:r>
+          </a:p>
+          <a:p>
+            <a:r>
+              <a:rPr lang="vi-VN" dirty="0" smtClean="0"/>
+              <a:t>request chứa data như request thật.</a:t>
+            </a:r>
+          </a:p>
+          <a:p>
+            <a:r>
+              <a:rPr lang="vi-VN" dirty="0" smtClean="0"/>
+              <a:t>+ Nếu gọi chung api thì hàm terminate chỉ chạy 1 lần.</a:t>
+            </a:r>
+          </a:p>
+          <a:p>
+            <a:r>
+              <a:rPr lang="vi-VN" dirty="0" smtClean="0"/>
+              <a:t>Khi process kết thúc, có thể get status để check hàm đã chạy đúng hay chưa. Do process thứ hai này chạy trên server, user </a:t>
+            </a:r>
+          </a:p>
+          <a:p>
+            <a:r>
+              <a:rPr lang="vi-VN" dirty="0" smtClean="0"/>
+              <a:t>đã nhận response trước đó rồi, nên function exec không cần bỏ qua quá trình đợi.</a:t>
+            </a:r>
+          </a:p>
+          <a:p>
+            <a:r>
+              <a:rPr lang="vi-VN" dirty="0" smtClean="0"/>
+              <a:t>=&gt; Có thể gọi api để check tiến trình đã được kết thúc hay chưa.</a:t>
+            </a:r>
+            <a:endParaRPr lang="vi-VN" dirty="0"/>
+          </a:p>
+        </p:txBody>
+      </p:sp>
+      <p:sp>
+        <p:nvSpPr>
+          <p:cNvPr id="4" name="Slide Number Placeholder 3"/>
+          <p:cNvSpPr>
+            <a:spLocks noGrp="1"/>
+          </p:cNvSpPr>
+          <p:nvPr>
+            <p:ph type="sldNum" sz="quarter" idx="10"/>
+          </p:nvPr>
+        </p:nvSpPr>
+        <p:spPr/>
+        <p:txBody>
+          <a:bodyPr/>
+          <a:lstStyle/>
+          <a:p>
+            <a:fld id="{B7DC25CC-FB07-4185-8561-3DFD47A87278}" type="slidenum">
+              <a:rPr lang="vi-VN" smtClean="0"/>
+              <a:t>9</a:t>
+            </a:fld>
+            <a:endParaRPr lang="vi-VN"/>
+          </a:p>
+        </p:txBody>
+      </p:sp>
+    </p:spTree>
+    <p:extLst>
+      <p:ext uri="{BB962C8B-B14F-4D97-AF65-F5344CB8AC3E}">
+        <p14:creationId xmlns:p14="http://schemas.microsoft.com/office/powerpoint/2010/main" val="3652953040"/>
+      </p:ext>
+    </p:extLst>
+  </p:cSld>
+  <p:clrMapOvr>
+    <a:masterClrMapping/>
+  </p:clrMapOvr>
+</p:notes>
+</file>
+
+<file path=ppt/notesSlides/notesSlide8.xml><?xml version="1.0" encoding="utf-8"?>
+<p:notes xmlns:a="http://schemas.openxmlformats.org/drawingml/2006/main" xmlns:r="http://schemas.openxmlformats.org/officeDocument/2006/relationships" xmlns:p="http://schemas.openxmlformats.org/presentationml/2006/main">
+  <p:cSld>
+    <p:spTree>
+      <p:nvGrpSpPr>
+        <p:cNvPr id="1" name=""/>
+        <p:cNvGrpSpPr/>
+        <p:nvPr/>
+      </p:nvGrpSpPr>
+      <p:grpSpPr>
+        <a:xfrm>
+          <a:off x="0" y="0"/>
+          <a:ext cx="0" cy="0"/>
+          <a:chOff x="0" y="0"/>
+          <a:chExt cx="0" cy="0"/>
+        </a:xfrm>
+      </p:grpSpPr>
+      <p:sp>
+        <p:nvSpPr>
+          <p:cNvPr id="2" name="Slide Image Placeholder 1"/>
+          <p:cNvSpPr>
+            <a:spLocks noGrp="1" noRot="1" noChangeAspect="1"/>
+          </p:cNvSpPr>
+          <p:nvPr>
+            <p:ph type="sldImg"/>
+          </p:nvPr>
+        </p:nvSpPr>
+        <p:spPr/>
+      </p:sp>
+      <p:sp>
+        <p:nvSpPr>
+          <p:cNvPr id="3" name="Notes Placeholder 2"/>
+          <p:cNvSpPr>
+            <a:spLocks noGrp="1"/>
+          </p:cNvSpPr>
+          <p:nvPr>
+            <p:ph type="body" idx="1"/>
+          </p:nvPr>
+        </p:nvSpPr>
+        <p:spPr/>
+        <p:txBody>
+          <a:bodyPr/>
+          <a:lstStyle/>
+          <a:p>
+            <a:endParaRPr lang="vi-VN" dirty="0"/>
+          </a:p>
+        </p:txBody>
+      </p:sp>
+      <p:sp>
+        <p:nvSpPr>
+          <p:cNvPr id="4" name="Slide Number Placeholder 3"/>
+          <p:cNvSpPr>
+            <a:spLocks noGrp="1"/>
+          </p:cNvSpPr>
+          <p:nvPr>
+            <p:ph type="sldNum" sz="quarter" idx="10"/>
+          </p:nvPr>
+        </p:nvSpPr>
+        <p:spPr/>
+        <p:txBody>
+          <a:bodyPr/>
+          <a:lstStyle/>
+          <a:p>
+            <a:fld id="{B7DC25CC-FB07-4185-8561-3DFD47A87278}" type="slidenum">
+              <a:rPr lang="vi-VN" smtClean="0"/>
+              <a:t>10</a:t>
+            </a:fld>
+            <a:endParaRPr lang="vi-VN"/>
+          </a:p>
+        </p:txBody>
+      </p:sp>
+    </p:spTree>
+    <p:extLst>
+      <p:ext uri="{BB962C8B-B14F-4D97-AF65-F5344CB8AC3E}">
+        <p14:creationId xmlns:p14="http://schemas.microsoft.com/office/powerpoint/2010/main" val="1421346843"/>
+      </p:ext>
+    </p:extLst>
+  </p:cSld>
+  <p:clrMapOvr>
+    <a:masterClrMapping/>
+  </p:clrMapOvr>
+</p:notes>
+</file>
+
+<file path=ppt/notesSlides/notesSlide9.xml><?xml version="1.0" encoding="utf-8"?>
+<p:notes xmlns:a="http://schemas.openxmlformats.org/drawingml/2006/main" xmlns:r="http://schemas.openxmlformats.org/officeDocument/2006/relationships" xmlns:p="http://schemas.openxmlformats.org/presentationml/2006/main">
+  <p:cSld>
+    <p:spTree>
+      <p:nvGrpSpPr>
+        <p:cNvPr id="1" name=""/>
+        <p:cNvGrpSpPr/>
+        <p:nvPr/>
+      </p:nvGrpSpPr>
+      <p:grpSpPr>
+        <a:xfrm>
+          <a:off x="0" y="0"/>
+          <a:ext cx="0" cy="0"/>
+          <a:chOff x="0" y="0"/>
+          <a:chExt cx="0" cy="0"/>
+        </a:xfrm>
+      </p:grpSpPr>
+      <p:sp>
+        <p:nvSpPr>
+          <p:cNvPr id="2" name="Slide Image Placeholder 1"/>
+          <p:cNvSpPr>
+            <a:spLocks noGrp="1" noRot="1" noChangeAspect="1"/>
+          </p:cNvSpPr>
+          <p:nvPr>
+            <p:ph type="sldImg"/>
+          </p:nvPr>
+        </p:nvSpPr>
+        <p:spPr/>
+      </p:sp>
+      <p:sp>
+        <p:nvSpPr>
+          <p:cNvPr id="3" name="Notes Placeholder 2"/>
+          <p:cNvSpPr>
+            <a:spLocks noGrp="1"/>
+          </p:cNvSpPr>
+          <p:nvPr>
+            <p:ph type="body" idx="1"/>
+          </p:nvPr>
+        </p:nvSpPr>
+        <p:spPr/>
+        <p:txBody>
+          <a:bodyPr/>
+          <a:lstStyle/>
+          <a:p>
+            <a:r>
+              <a:rPr lang="vi-VN" dirty="0" smtClean="0"/>
+              <a:t>1. Dùng posix_kill($pid, 15) để ngắt tiến trình ngay lập tức</a:t>
+            </a:r>
+          </a:p>
+          <a:p>
+            <a:r>
+              <a:rPr lang="vi-VN" dirty="0" smtClean="0"/>
+              <a:t>Để đảm bảo data không ảnh hưởng của quá trình kill, cần thực hiện biện pháp bảo vệ:</a:t>
+            </a:r>
+          </a:p>
+          <a:p>
+            <a:r>
+              <a:rPr lang="vi-VN" dirty="0" smtClean="0"/>
+              <a:t>+ Trước khi xử lý với file, backup lại các đường dẫn file sẽ thay đổi, không backup folder root để tối ưu performance</a:t>
+            </a:r>
+          </a:p>
+          <a:p>
+            <a:r>
+              <a:rPr lang="vi-VN" dirty="0" smtClean="0"/>
+              <a:t>+ Với data trong db, xử dụng transaction, khi function chạy đúng logic, hãy commit lại sau.</a:t>
+            </a:r>
+          </a:p>
+          <a:p>
+            <a:r>
+              <a:rPr lang="vi-VN" dirty="0" smtClean="0"/>
+              <a:t>2. Đọc file zip của function đó, thực hiện revert lại toàn bộ data để đảm bảo tính đúng đắn cho logic.</a:t>
+            </a:r>
+          </a:p>
+          <a:p>
+            <a:r>
+              <a:rPr lang="vi-VN" dirty="0" smtClean="0"/>
+              <a:t>3. Xóa file chứa pid để kết thúc tiến trình.</a:t>
+            </a:r>
+          </a:p>
+          <a:p>
+            <a:endParaRPr lang="vi-VN" dirty="0"/>
+          </a:p>
+        </p:txBody>
+      </p:sp>
+      <p:sp>
+        <p:nvSpPr>
+          <p:cNvPr id="4" name="Slide Number Placeholder 3"/>
+          <p:cNvSpPr>
+            <a:spLocks noGrp="1"/>
+          </p:cNvSpPr>
+          <p:nvPr>
+            <p:ph type="sldNum" sz="quarter" idx="10"/>
+          </p:nvPr>
+        </p:nvSpPr>
+        <p:spPr/>
+        <p:txBody>
+          <a:bodyPr/>
+          <a:lstStyle/>
+          <a:p>
+            <a:fld id="{B7DC25CC-FB07-4185-8561-3DFD47A87278}" type="slidenum">
+              <a:rPr lang="vi-VN" smtClean="0"/>
+              <a:t>11</a:t>
+            </a:fld>
+            <a:endParaRPr lang="vi-VN"/>
+          </a:p>
+        </p:txBody>
+      </p:sp>
+    </p:spTree>
+    <p:extLst>
+      <p:ext uri="{BB962C8B-B14F-4D97-AF65-F5344CB8AC3E}">
+        <p14:creationId xmlns:p14="http://schemas.microsoft.com/office/powerpoint/2010/main" val="714823982"/>
       </p:ext>
     </p:extLst>
   </p:cSld>
@@ -14002,6 +14920,13 @@
   <p:clrMapOvr>
     <a:masterClrMapping/>
   </p:clrMapOvr>
+  <p:timing>
+    <p:tnLst>
+      <p:par>
+        <p:cTn id="1" dur="indefinite" restart="never" nodeType="tmRoot"/>
+      </p:par>
+    </p:tnLst>
+  </p:timing>
 </p:sld>
 </file>
 
@@ -14031,7 +14956,7 @@
           <p:nvPr/>
         </p:nvPicPr>
         <p:blipFill>
-          <a:blip r:embed="rId2">
+          <a:blip r:embed="rId3">
             <a:extLst>
               <a:ext uri="{28A0092B-C50C-407E-A947-70E740481C1C}">
                 <a14:useLocalDpi xmlns:a14="http://schemas.microsoft.com/office/drawing/2010/main" val="0"/>
@@ -14406,6 +15331,13 @@
   <p:clrMapOvr>
     <a:masterClrMapping/>
   </p:clrMapOvr>
+  <p:timing>
+    <p:tnLst>
+      <p:par>
+        <p:cTn id="1" dur="indefinite" restart="never" nodeType="tmRoot"/>
+      </p:par>
+    </p:tnLst>
+  </p:timing>
 </p:sld>
 </file>
 
@@ -14435,7 +15367,7 @@
           <p:nvPr/>
         </p:nvPicPr>
         <p:blipFill>
-          <a:blip r:embed="rId2">
+          <a:blip r:embed="rId3">
             <a:extLst>
               <a:ext uri="{28A0092B-C50C-407E-A947-70E740481C1C}">
                 <a14:useLocalDpi xmlns:a14="http://schemas.microsoft.com/office/drawing/2010/main" val="0"/>
@@ -14843,6 +15775,13 @@
   <p:clrMapOvr>
     <a:masterClrMapping/>
   </p:clrMapOvr>
+  <p:timing>
+    <p:tnLst>
+      <p:par>
+        <p:cTn id="1" dur="indefinite" restart="never" nodeType="tmRoot"/>
+      </p:par>
+    </p:tnLst>
+  </p:timing>
 </p:sld>
 </file>
 
@@ -14932,7 +15871,7 @@
           <p:nvPr/>
         </p:nvPicPr>
         <p:blipFill>
-          <a:blip r:embed="rId2">
+          <a:blip r:embed="rId3">
             <a:extLst>
               <a:ext uri="{28A0092B-C50C-407E-A947-70E740481C1C}">
                 <a14:useLocalDpi xmlns:a14="http://schemas.microsoft.com/office/drawing/2010/main" val="0"/>
@@ -14997,6 +15936,13 @@
   <p:clrMapOvr>
     <a:masterClrMapping/>
   </p:clrMapOvr>
+  <p:timing>
+    <p:tnLst>
+      <p:par>
+        <p:cTn id="1" dur="indefinite" restart="never" nodeType="tmRoot"/>
+      </p:par>
+    </p:tnLst>
+  </p:timing>
 </p:sld>
 </file>
 
@@ -15106,7 +16052,7 @@
           <p:nvPr/>
         </p:nvPicPr>
         <p:blipFill>
-          <a:blip r:embed="rId2">
+          <a:blip r:embed="rId3">
             <a:extLst>
               <a:ext uri="{28A0092B-C50C-407E-A947-70E740481C1C}">
                 <a14:useLocalDpi xmlns:a14="http://schemas.microsoft.com/office/drawing/2010/main" val="0"/>
@@ -15171,6 +16117,13 @@
   <p:clrMapOvr>
     <a:masterClrMapping/>
   </p:clrMapOvr>
+  <p:timing>
+    <p:tnLst>
+      <p:par>
+        <p:cTn id="1" dur="indefinite" restart="never" nodeType="tmRoot"/>
+      </p:par>
+    </p:tnLst>
+  </p:timing>
 </p:sld>
 </file>
 
@@ -15272,7 +16225,7 @@
           <p:nvPr/>
         </p:nvPicPr>
         <p:blipFill>
-          <a:blip r:embed="rId2">
+          <a:blip r:embed="rId3">
             <a:extLst>
               <a:ext uri="{28A0092B-C50C-407E-A947-70E740481C1C}">
                 <a14:useLocalDpi xmlns:a14="http://schemas.microsoft.com/office/drawing/2010/main" val="0"/>
@@ -15337,6 +16290,13 @@
   <p:clrMapOvr>
     <a:masterClrMapping/>
   </p:clrMapOvr>
+  <p:timing>
+    <p:tnLst>
+      <p:par>
+        <p:cTn id="1" dur="indefinite" restart="never" nodeType="tmRoot"/>
+      </p:par>
+    </p:tnLst>
+  </p:timing>
 </p:sld>
 </file>
 
@@ -15438,7 +16398,7 @@
           <p:nvPr/>
         </p:nvPicPr>
         <p:blipFill>
-          <a:blip r:embed="rId2">
+          <a:blip r:embed="rId3">
             <a:extLst>
               <a:ext uri="{28A0092B-C50C-407E-A947-70E740481C1C}">
                 <a14:useLocalDpi xmlns:a14="http://schemas.microsoft.com/office/drawing/2010/main" val="0"/>
@@ -15503,6 +16463,13 @@
   <p:clrMapOvr>
     <a:masterClrMapping/>
   </p:clrMapOvr>
+  <p:timing>
+    <p:tnLst>
+      <p:par>
+        <p:cTn id="1" dur="indefinite" restart="never" nodeType="tmRoot"/>
+      </p:par>
+    </p:tnLst>
+  </p:timing>
 </p:sld>
 </file>
 
@@ -16820,6 +17787,13 @@
   <p:clrMapOvr>
     <a:masterClrMapping/>
   </p:clrMapOvr>
+  <p:timing>
+    <p:tnLst>
+      <p:par>
+        <p:cTn id="1" dur="indefinite" restart="never" nodeType="tmRoot"/>
+      </p:par>
+    </p:tnLst>
+  </p:timing>
 </p:sld>
 </file>
 
@@ -16891,7 +17865,7 @@
         <p:spPr>
           <a:xfrm>
             <a:off x="990600" y="841862"/>
-            <a:ext cx="2208490" cy="369332"/>
+            <a:ext cx="2202270" cy="369332"/>
           </a:xfrm>
           <a:prstGeom prst="rect">
             <a:avLst/>
@@ -16925,8 +17899,9 @@
             </a:r>
             <a:r>
               <a:rPr lang="en-US" dirty="0" smtClean="0"/>
-              <a:t>request</a:t>
-            </a:r>
+              <a:t>server</a:t>
+            </a:r>
+            <a:endParaRPr lang="en-US" dirty="0" smtClean="0"/>
           </a:p>
         </p:txBody>
       </p:sp>
@@ -17027,6 +18002,13 @@
   <p:clrMapOvr>
     <a:masterClrMapping/>
   </p:clrMapOvr>
+  <p:timing>
+    <p:tnLst>
+      <p:par>
+        <p:cTn id="1" dur="indefinite" restart="never" nodeType="tmRoot"/>
+      </p:par>
+    </p:tnLst>
+  </p:timing>
 </p:sld>
 </file>
 
@@ -17400,6 +18382,13 @@
   <p:clrMapOvr>
     <a:masterClrMapping/>
   </p:clrMapOvr>
+  <p:timing>
+    <p:tnLst>
+      <p:par>
+        <p:cTn id="1" dur="indefinite" restart="never" nodeType="tmRoot"/>
+      </p:par>
+    </p:tnLst>
+  </p:timing>
 </p:sld>
 </file>
 
@@ -17671,6 +18660,13 @@
   <p:clrMapOvr>
     <a:masterClrMapping/>
   </p:clrMapOvr>
+  <p:timing>
+    <p:tnLst>
+      <p:par>
+        <p:cTn id="1" dur="indefinite" restart="never" nodeType="tmRoot"/>
+      </p:par>
+    </p:tnLst>
+  </p:timing>
 </p:sld>
 </file>
 
@@ -17893,6 +18889,13 @@
   <p:clrMapOvr>
     <a:masterClrMapping/>
   </p:clrMapOvr>
+  <p:timing>
+    <p:tnLst>
+      <p:par>
+        <p:cTn id="1" dur="indefinite" restart="never" nodeType="tmRoot"/>
+      </p:par>
+    </p:tnLst>
+  </p:timing>
 </p:sld>
 </file>
 
@@ -18060,7 +19063,7 @@
           <p:nvPr/>
         </p:nvPicPr>
         <p:blipFill>
-          <a:blip r:embed="rId2">
+          <a:blip r:embed="rId3">
             <a:extLst>
               <a:ext uri="{28A0092B-C50C-407E-A947-70E740481C1C}">
                 <a14:useLocalDpi xmlns:a14="http://schemas.microsoft.com/office/drawing/2010/main" val="0"/>
@@ -18223,6 +19226,13 @@
   <p:clrMapOvr>
     <a:masterClrMapping/>
   </p:clrMapOvr>
+  <p:timing>
+    <p:tnLst>
+      <p:par>
+        <p:cTn id="1" dur="indefinite" restart="never" nodeType="tmRoot"/>
+      </p:par>
+    </p:tnLst>
+  </p:timing>
 </p:sld>
 </file>
 
@@ -18459,7 +19469,7 @@
           <p:nvPr/>
         </p:nvPicPr>
         <p:blipFill>
-          <a:blip r:embed="rId2">
+          <a:blip r:embed="rId3">
             <a:extLst>
               <a:ext uri="{28A0092B-C50C-407E-A947-70E740481C1C}">
                 <a14:useLocalDpi xmlns:a14="http://schemas.microsoft.com/office/drawing/2010/main" val="0"/>
@@ -18685,6 +19695,13 @@
   <p:clrMapOvr>
     <a:masterClrMapping/>
   </p:clrMapOvr>
+  <p:timing>
+    <p:tnLst>
+      <p:par>
+        <p:cTn id="1" dur="indefinite" restart="never" nodeType="tmRoot"/>
+      </p:par>
+    </p:tnLst>
+  </p:timing>
 </p:sld>
 </file>
 
@@ -19405,7 +20422,7 @@
   </a:extraClrSchemeLst>
   <a:extLst>
     <a:ext uri="{05A4C25C-085E-4340-85A3-A5531E510DB2}">
-      <thm15:themeFamily xmlns="" xmlns:thm15="http://schemas.microsoft.com/office/thememl/2012/main" name="Presentation1" id="{B970919C-7AB9-8C43-AD58-986FD44D887A}" vid="{B1AB6F10-A669-8D48-86F2-19B449410D6D}"/>
+      <thm15:themeFamily xmlns:thm15="http://schemas.microsoft.com/office/thememl/2012/main" xmlns="" name="Presentation1" id="{B970919C-7AB9-8C43-AD58-986FD44D887A}" vid="{B1AB6F10-A669-8D48-86F2-19B449410D6D}"/>
     </a:ext>
   </a:extLst>
 </a:theme>
@@ -20128,7 +21145,7 @@
   </a:extraClrSchemeLst>
   <a:extLst>
     <a:ext uri="{05A4C25C-085E-4340-85A3-A5531E510DB2}">
-      <thm15:themeFamily xmlns="" xmlns:thm15="http://schemas.microsoft.com/office/thememl/2012/main" name="Presentation1" id="{B970919C-7AB9-8C43-AD58-986FD44D887A}" vid="{B1AB6F10-A669-8D48-86F2-19B449410D6D}"/>
+      <thm15:themeFamily xmlns:thm15="http://schemas.microsoft.com/office/thememl/2012/main" xmlns="" name="Presentation1" id="{B970919C-7AB9-8C43-AD58-986FD44D887A}" vid="{B1AB6F10-A669-8D48-86F2-19B449410D6D}"/>
     </a:ext>
   </a:extLst>
 </a:theme>
@@ -20851,7 +21868,7 @@
   </a:extraClrSchemeLst>
   <a:extLst>
     <a:ext uri="{05A4C25C-085E-4340-85A3-A5531E510DB2}">
-      <thm15:themeFamily xmlns="" xmlns:thm15="http://schemas.microsoft.com/office/thememl/2012/main" name="Presentation1" id="{B970919C-7AB9-8C43-AD58-986FD44D887A}" vid="{B1AB6F10-A669-8D48-86F2-19B449410D6D}"/>
+      <thm15:themeFamily xmlns:thm15="http://schemas.microsoft.com/office/thememl/2012/main" xmlns="" name="Presentation1" id="{B970919C-7AB9-8C43-AD58-986FD44D887A}" vid="{B1AB6F10-A669-8D48-86F2-19B449410D6D}"/>
     </a:ext>
   </a:extLst>
 </a:theme>
